--- a/Documents/Zwischenpräsentation/Zwischenpräsentation – Projekt Studiduell.pptx
+++ b/Documents/Zwischenpräsentation/Zwischenpräsentation – Projekt Studiduell.pptx
@@ -361,7 +361,7 @@
           <a:p>
             <a:fld id="{BE068A66-658E-4B20-A224-C8B3BE3333BC}" type="slidenum">
               <a:rPr lang="en-US" smtClean="0"/>
-              <a:t>‹#›</a:t>
+              <a:t>‹Nr.›</a:t>
             </a:fld>
             <a:endParaRPr lang="en-US"/>
           </a:p>
@@ -990,7 +990,7 @@
           <a:p>
             <a:r>
               <a:rPr lang="de-DE" dirty="0" smtClean="0"/>
-              <a:t>Quellcodeverwaltung -&gt; </a:t>
+              <a:t>Versionsverwaltung des Quellcodes -&gt; </a:t>
             </a:r>
             <a:r>
               <a:rPr lang="de-DE" dirty="0" err="1" smtClean="0"/>
@@ -1032,15 +1032,7 @@
             </a:r>
             <a:r>
               <a:rPr lang="de-DE" dirty="0" smtClean="0"/>
-              <a:t>“ weiß jeder, was der andere jeweils </a:t>
-            </a:r>
-            <a:r>
-              <a:rPr lang="de-DE" dirty="0" err="1" smtClean="0"/>
-              <a:t>synchroniert</a:t>
-            </a:r>
-            <a:r>
-              <a:rPr lang="de-DE" dirty="0" smtClean="0"/>
-              <a:t> hat</a:t>
+              <a:t>“ weiß jeder, an was der andere jeweils gearbeitet hat</a:t>
             </a:r>
           </a:p>
           <a:p>
@@ -1249,7 +1241,7 @@
           <a:p>
             <a:fld id="{8700DC42-F920-4CC4-8FDD-7A5A47523AA1}" type="slidenum">
               <a:rPr lang="en-US" smtClean="0"/>
-              <a:t>‹#›</a:t>
+              <a:t>‹Nr.›</a:t>
             </a:fld>
             <a:endParaRPr lang="en-US" dirty="0"/>
           </a:p>
@@ -1573,7 +1565,7 @@
           <a:p>
             <a:fld id="{8700DC42-F920-4CC4-8FDD-7A5A47523AA1}" type="slidenum">
               <a:rPr lang="en-US" smtClean="0"/>
-              <a:t>‹#›</a:t>
+              <a:t>‹Nr.›</a:t>
             </a:fld>
             <a:endParaRPr lang="en-US"/>
           </a:p>
@@ -1752,7 +1744,7 @@
           <a:p>
             <a:fld id="{8700DC42-F920-4CC4-8FDD-7A5A47523AA1}" type="slidenum">
               <a:rPr lang="en-US" smtClean="0"/>
-              <a:t>‹#›</a:t>
+              <a:t>‹Nr.›</a:t>
             </a:fld>
             <a:endParaRPr lang="en-US"/>
           </a:p>
@@ -1885,7 +1877,7 @@
           <a:p>
             <a:fld id="{8700DC42-F920-4CC4-8FDD-7A5A47523AA1}" type="slidenum">
               <a:rPr lang="en-US" smtClean="0"/>
-              <a:t>‹#›</a:t>
+              <a:t>‹Nr.›</a:t>
             </a:fld>
             <a:endParaRPr lang="en-US"/>
           </a:p>
@@ -2263,7 +2255,7 @@
           <a:p>
             <a:fld id="{8700DC42-F920-4CC4-8FDD-7A5A47523AA1}" type="slidenum">
               <a:rPr lang="en-US" smtClean="0"/>
-              <a:t>‹#›</a:t>
+              <a:t>‹Nr.›</a:t>
             </a:fld>
             <a:endParaRPr lang="en-US"/>
           </a:p>
@@ -2560,7 +2552,7 @@
           <a:p>
             <a:fld id="{8700DC42-F920-4CC4-8FDD-7A5A47523AA1}" type="slidenum">
               <a:rPr lang="en-US" smtClean="0"/>
-              <a:t>‹#›</a:t>
+              <a:t>‹Nr.›</a:t>
             </a:fld>
             <a:endParaRPr lang="en-US"/>
           </a:p>
@@ -2992,7 +2984,7 @@
           <a:p>
             <a:fld id="{8700DC42-F920-4CC4-8FDD-7A5A47523AA1}" type="slidenum">
               <a:rPr lang="en-US" smtClean="0"/>
-              <a:t>‹#›</a:t>
+              <a:t>‹Nr.›</a:t>
             </a:fld>
             <a:endParaRPr lang="en-US"/>
           </a:p>
@@ -3114,7 +3106,7 @@
           <a:p>
             <a:fld id="{8700DC42-F920-4CC4-8FDD-7A5A47523AA1}" type="slidenum">
               <a:rPr lang="en-US" smtClean="0"/>
-              <a:t>‹#›</a:t>
+              <a:t>‹Nr.›</a:t>
             </a:fld>
             <a:endParaRPr lang="en-US"/>
           </a:p>
@@ -3208,7 +3200,7 @@
           <a:p>
             <a:fld id="{8700DC42-F920-4CC4-8FDD-7A5A47523AA1}" type="slidenum">
               <a:rPr lang="en-US" smtClean="0"/>
-              <a:t>‹#›</a:t>
+              <a:t>‹Nr.›</a:t>
             </a:fld>
             <a:endParaRPr lang="en-US"/>
           </a:p>
@@ -3462,7 +3454,7 @@
           <a:p>
             <a:fld id="{8700DC42-F920-4CC4-8FDD-7A5A47523AA1}" type="slidenum">
               <a:rPr lang="en-US" smtClean="0"/>
-              <a:t>‹#›</a:t>
+              <a:t>‹Nr.›</a:t>
             </a:fld>
             <a:endParaRPr lang="en-US"/>
           </a:p>
@@ -3982,7 +3974,7 @@
           <a:p>
             <a:fld id="{8700DC42-F920-4CC4-8FDD-7A5A47523AA1}" type="slidenum">
               <a:rPr lang="en-US" smtClean="0"/>
-              <a:t>‹#›</a:t>
+              <a:t>‹Nr.›</a:t>
             </a:fld>
             <a:endParaRPr lang="en-US"/>
           </a:p>
@@ -4252,7 +4244,7 @@
           <a:p>
             <a:fld id="{8700DC42-F920-4CC4-8FDD-7A5A47523AA1}" type="slidenum">
               <a:rPr lang="en-US" smtClean="0"/>
-              <a:t>‹#›</a:t>
+              <a:t>‹Nr.›</a:t>
             </a:fld>
             <a:endParaRPr lang="en-US"/>
           </a:p>
@@ -5053,6 +5045,31 @@
           </a:p>
           <a:p>
             <a:r>
+              <a:rPr lang="de-DE" dirty="0"/>
+              <a:t>Gebühr Android Play </a:t>
+            </a:r>
+            <a:r>
+              <a:rPr lang="de-DE" dirty="0" smtClean="0"/>
+              <a:t>Store</a:t>
+            </a:r>
+          </a:p>
+          <a:p>
+            <a:r>
+              <a:rPr lang="de-DE" dirty="0" smtClean="0"/>
+              <a:t>Zertifikat (wahrscheinlich </a:t>
+            </a:r>
+            <a:r>
+              <a:rPr lang="de-DE" dirty="0" err="1" smtClean="0"/>
+              <a:t>VeriSign</a:t>
+            </a:r>
+            <a:r>
+              <a:rPr lang="de-DE" dirty="0" smtClean="0"/>
+              <a:t>) zur sicheren Übertragung der Daten (Passwort etc.)</a:t>
+            </a:r>
+            <a:endParaRPr lang="de-DE" dirty="0"/>
+          </a:p>
+          <a:p>
+            <a:r>
               <a:rPr lang="de-DE" dirty="0" smtClean="0"/>
               <a:t>Marketingmaßnahmen?</a:t>
             </a:r>
@@ -5331,11 +5348,7 @@
             </a:r>
             <a:r>
               <a:rPr lang="de-DE" dirty="0" smtClean="0"/>
-              <a:t> </a:t>
-            </a:r>
-            <a:r>
-              <a:rPr lang="de-DE" dirty="0" smtClean="0"/>
-              <a:t>App</a:t>
+              <a:t> App</a:t>
             </a:r>
           </a:p>
           <a:p>
@@ -5375,7 +5388,6 @@
               <a:rPr lang="de-DE" dirty="0" smtClean="0"/>
               <a:t>Finanzielle Ausgaben</a:t>
             </a:r>
-            <a:endParaRPr lang="de-DE" dirty="0" smtClean="0"/>
           </a:p>
         </p:txBody>
       </p:sp>
@@ -6829,7 +6841,7 @@
         </p:spPr>
         <p:txBody>
           <a:bodyPr>
-            <a:normAutofit fontScale="85000" lnSpcReduction="10000"/>
+            <a:normAutofit fontScale="85000" lnSpcReduction="20000"/>
           </a:bodyPr>
           <a:lstStyle/>
           <a:p>
@@ -6880,22 +6892,67 @@
             <a:pPr lvl="1"/>
             <a:r>
               <a:rPr lang="de-DE" dirty="0" smtClean="0"/>
-              <a:t>CSW-Import (Pino) ermöglichen</a:t>
+              <a:t>CSV-Import </a:t>
+            </a:r>
+            <a:r>
+              <a:rPr lang="de-DE" dirty="0" smtClean="0"/>
+              <a:t>(</a:t>
+            </a:r>
+            <a:r>
+              <a:rPr lang="de-DE" dirty="0" err="1" smtClean="0"/>
+              <a:t>Pingo</a:t>
+            </a:r>
+            <a:r>
+              <a:rPr lang="de-DE" dirty="0" smtClean="0"/>
+              <a:t>) ermöglichen</a:t>
             </a:r>
           </a:p>
           <a:p>
             <a:pPr lvl="1"/>
             <a:r>
               <a:rPr lang="de-DE" dirty="0" smtClean="0"/>
-              <a:t>Push-Benachrichtigung des Gegners nach Spielende</a:t>
-            </a:r>
+              <a:t>Push-Benachrichtigung des Gegners nach </a:t>
+            </a:r>
+            <a:r>
+              <a:rPr lang="de-DE" dirty="0" smtClean="0"/>
+              <a:t>Spielende (Android, </a:t>
+            </a:r>
+            <a:r>
+              <a:rPr lang="de-DE" dirty="0" err="1" smtClean="0"/>
+              <a:t>iOS</a:t>
+            </a:r>
+            <a:r>
+              <a:rPr lang="de-DE" dirty="0" smtClean="0"/>
+              <a:t>)</a:t>
+            </a:r>
+            <a:endParaRPr lang="de-DE" dirty="0" smtClean="0"/>
           </a:p>
           <a:p>
             <a:pPr lvl="1"/>
             <a:r>
               <a:rPr lang="de-DE" dirty="0" smtClean="0"/>
-              <a:t>Anzeige der Fragen &amp; Ergebnisse bei Klick auf Rundenübersicht-Viereck</a:t>
-            </a:r>
+              <a:t>Anzeige der Fragen &amp; Ergebnisse bei Klick auf </a:t>
+            </a:r>
+            <a:r>
+              <a:rPr lang="de-DE" dirty="0" smtClean="0"/>
+              <a:t>Rundenübersicht-Viereck</a:t>
+            </a:r>
+          </a:p>
+          <a:p>
+            <a:pPr lvl="1"/>
+            <a:r>
+              <a:rPr lang="de-DE" dirty="0" smtClean="0"/>
+              <a:t>„</a:t>
+            </a:r>
+            <a:r>
+              <a:rPr lang="de-DE" dirty="0" err="1" smtClean="0"/>
+              <a:t>Unfriend</a:t>
+            </a:r>
+            <a:r>
+              <a:rPr lang="de-DE" dirty="0" smtClean="0"/>
+              <a:t>“-Funktion</a:t>
+            </a:r>
+            <a:endParaRPr lang="de-DE" dirty="0" smtClean="0"/>
           </a:p>
           <a:p>
             <a:pPr marL="457200" lvl="1" indent="0">
@@ -6928,7 +6985,15 @@
           <a:p>
             <a:r>
               <a:rPr lang="de-DE" dirty="0" smtClean="0"/>
-              <a:t>Erstellung von Marketingmaßnahmen um die Bekanntheit von </a:t>
+              <a:t>Erstellung von </a:t>
+            </a:r>
+            <a:r>
+              <a:rPr lang="de-DE" dirty="0" smtClean="0"/>
+              <a:t>Marketingmaßnahmen, </a:t>
+            </a:r>
+            <a:r>
+              <a:rPr lang="de-DE" dirty="0" smtClean="0"/>
+              <a:t>um die Bekanntheit von </a:t>
             </a:r>
             <a:r>
               <a:rPr lang="de-DE" dirty="0" err="1" smtClean="0"/>
@@ -6943,8 +7008,13 @@
           <a:p>
             <a:r>
               <a:rPr lang="de-DE" dirty="0" smtClean="0"/>
-              <a:t>Go-Live der App im Apple App-Store &amp; Google Playstore</a:t>
-            </a:r>
+              <a:t>Go-Live der App im Apple App-Store &amp; Google </a:t>
+            </a:r>
+            <a:r>
+              <a:rPr lang="de-DE" dirty="0" smtClean="0"/>
+              <a:t>Play Store</a:t>
+            </a:r>
+            <a:endParaRPr lang="de-DE" dirty="0" smtClean="0"/>
           </a:p>
           <a:p>
             <a:pPr marL="0" indent="0">
@@ -7234,7 +7304,7 @@
           <p:nvPr>
             <p:extLst>
               <p:ext uri="{D42A27DB-BD31-4B8C-83A1-F6EECF244321}">
-                <p14:modId xmlns:p14="http://schemas.microsoft.com/office/powerpoint/2010/main" val="1215505028"/>
+                <p14:modId xmlns:p14="http://schemas.microsoft.com/office/powerpoint/2010/main" val="3646263045"/>
               </p:ext>
             </p:extLst>
           </p:nvPr>
@@ -7299,7 +7369,11 @@
                     <a:p>
                       <a:r>
                         <a:rPr lang="de-DE" dirty="0" smtClean="0"/>
-                        <a:t>Quellcodeverwaltung -&gt; </a:t>
+                        <a:t>Versionsverwaltung des Quellcodes </a:t>
+                      </a:r>
+                      <a:r>
+                        <a:rPr lang="de-DE" dirty="0" smtClean="0"/>
+                        <a:t>-&gt; </a:t>
                       </a:r>
                       <a:r>
                         <a:rPr lang="de-DE" dirty="0" err="1" smtClean="0"/>
@@ -7341,15 +7415,23 @@
                       </a:r>
                       <a:r>
                         <a:rPr lang="de-DE" dirty="0" smtClean="0"/>
-                        <a:t>“ weiß jeder, was der andere jeweils </a:t>
-                      </a:r>
-                      <a:r>
-                        <a:rPr lang="de-DE" dirty="0" err="1" smtClean="0"/>
-                        <a:t>synchroniert</a:t>
+                        <a:t>“ weiß jeder, </a:t>
                       </a:r>
                       <a:r>
                         <a:rPr lang="de-DE" dirty="0" smtClean="0"/>
-                        <a:t> hat</a:t>
+                        <a:t>an was </a:t>
+                      </a:r>
+                      <a:r>
+                        <a:rPr lang="de-DE" dirty="0" smtClean="0"/>
+                        <a:t>der andere jeweils </a:t>
+                      </a:r>
+                      <a:r>
+                        <a:rPr lang="de-DE" dirty="0" smtClean="0"/>
+                        <a:t>gearbeitet </a:t>
+                      </a:r>
+                      <a:r>
+                        <a:rPr lang="de-DE" dirty="0" smtClean="0"/>
+                        <a:t>hat</a:t>
                       </a:r>
                     </a:p>
                   </a:txBody>
@@ -7404,12 +7486,12 @@
                         <a:defRPr/>
                       </a:pPr>
                       <a:r>
-                        <a:rPr lang="de-DE" dirty="0" err="1" smtClean="0"/>
-                        <a:t>Screendesign</a:t>
+                        <a:rPr lang="de-DE" dirty="0" smtClean="0"/>
+                        <a:t>Screen Design </a:t>
                       </a:r>
                       <a:r>
                         <a:rPr lang="de-DE" dirty="0" smtClean="0"/>
-                        <a:t> -&gt; </a:t>
+                        <a:t>-&gt; </a:t>
                       </a:r>
                       <a:r>
                         <a:rPr lang="de-DE" dirty="0" err="1" smtClean="0"/>
@@ -7475,12 +7557,12 @@
                         <a:t> und Doku </a:t>
                       </a:r>
                       <a:r>
-                        <a:rPr lang="de-DE" baseline="0" dirty="0" err="1" smtClean="0"/>
-                        <a:t>mitHilfe</a:t>
+                        <a:rPr lang="de-DE" baseline="0" dirty="0" smtClean="0"/>
+                        <a:t>mit Hilfe </a:t>
                       </a:r>
                       <a:r>
                         <a:rPr lang="de-DE" baseline="0" dirty="0" smtClean="0"/>
-                        <a:t> von Word, Excel, Microsoft Project</a:t>
+                        <a:t>von Word, Excel, Microsoft Project</a:t>
                       </a:r>
                       <a:endParaRPr lang="de-DE" dirty="0" smtClean="0"/>
                     </a:p>

--- a/Documents/Zwischenpräsentation/Zwischenpräsentation – Projekt Studiduell.pptx
+++ b/Documents/Zwischenpräsentation/Zwischenpräsentation – Projekt Studiduell.pptx
@@ -202,7 +202,7 @@
           <a:p>
             <a:fld id="{4086DAC7-6420-420E-B534-F3A205017F75}" type="datetimeFigureOut">
               <a:rPr lang="en-US" smtClean="0"/>
-              <a:t>3/23/2014</a:t>
+              <a:t>3/24/2014</a:t>
             </a:fld>
             <a:endParaRPr lang="en-US"/>
           </a:p>
@@ -361,7 +361,7 @@
           <a:p>
             <a:fld id="{BE068A66-658E-4B20-A224-C8B3BE3333BC}" type="slidenum">
               <a:rPr lang="en-US" smtClean="0"/>
-              <a:t>‹Nr.›</a:t>
+              <a:t>‹#›</a:t>
             </a:fld>
             <a:endParaRPr lang="en-US"/>
           </a:p>
@@ -514,6 +514,29 @@
           <a:bodyPr/>
           <a:lstStyle/>
           <a:p>
+            <a:pPr marL="0" marR="0" indent="0" algn="l" defTabSz="914400" rtl="0" eaLnBrk="1" fontAlgn="auto" latinLnBrk="0" hangingPunct="1">
+              <a:lnSpc>
+                <a:spcPct val="100000"/>
+              </a:lnSpc>
+              <a:spcBef>
+                <a:spcPts val="0"/>
+              </a:spcBef>
+              <a:spcAft>
+                <a:spcPts val="0"/>
+              </a:spcAft>
+              <a:buClrTx/>
+              <a:buSzTx/>
+              <a:buFontTx/>
+              <a:buNone/>
+              <a:tabLst/>
+              <a:defRPr/>
+            </a:pPr>
+            <a:r>
+              <a:rPr lang="de-DE" dirty="0" smtClean="0"/>
+              <a:t>PHIL</a:t>
+            </a:r>
+          </a:p>
+          <a:p>
             <a:endParaRPr lang="en-US" dirty="0"/>
           </a:p>
         </p:txBody>
@@ -600,51 +623,9 @@
           <a:p>
             <a:r>
               <a:rPr lang="de-DE" dirty="0" smtClean="0"/>
-              <a:t>Spiele</a:t>
-            </a:r>
-            <a:r>
-              <a:rPr lang="de-DE" baseline="0" dirty="0" smtClean="0"/>
-              <a:t>r registrieren: </a:t>
-            </a:r>
-          </a:p>
-          <a:p>
-            <a:r>
-              <a:rPr lang="de-DE" baseline="0" dirty="0" smtClean="0"/>
-              <a:t>-&gt; Neuen Spieler anlegen</a:t>
-            </a:r>
-          </a:p>
-          <a:p>
-            <a:endParaRPr lang="de-DE" baseline="0" dirty="0" smtClean="0"/>
-          </a:p>
-          <a:p>
-            <a:r>
-              <a:rPr lang="de-DE" baseline="0" dirty="0" smtClean="0"/>
-              <a:t>Spieler einloggen: </a:t>
-            </a:r>
-          </a:p>
-          <a:p>
-            <a:r>
-              <a:rPr lang="de-DE" baseline="0" dirty="0" smtClean="0"/>
-              <a:t>-&gt; Usernamen einloggen</a:t>
-            </a:r>
-          </a:p>
-          <a:p>
-            <a:r>
-              <a:rPr lang="de-DE" baseline="0" dirty="0" smtClean="0"/>
-              <a:t> </a:t>
-            </a:r>
-          </a:p>
-          <a:p>
-            <a:r>
-              <a:rPr lang="de-DE" baseline="0" dirty="0" smtClean="0"/>
-              <a:t>Spieler Suchen</a:t>
-            </a:r>
-          </a:p>
-          <a:p>
-            <a:endParaRPr lang="de-DE" baseline="0" dirty="0" smtClean="0"/>
-          </a:p>
-          <a:p>
-            <a:endParaRPr lang="en-US" dirty="0"/>
+              <a:t>PHIL</a:t>
+            </a:r>
+            <a:endParaRPr lang="de-DE" dirty="0"/>
           </a:p>
         </p:txBody>
       </p:sp>
@@ -665,7 +646,7 @@
           <a:p>
             <a:fld id="{BE068A66-658E-4B20-A224-C8B3BE3333BC}" type="slidenum">
               <a:rPr lang="en-US" smtClean="0"/>
-              <a:t>5</a:t>
+              <a:t>3</a:t>
             </a:fld>
             <a:endParaRPr lang="en-US"/>
           </a:p>
@@ -674,7 +655,7 @@
     </p:spTree>
     <p:extLst>
       <p:ext uri="{BB962C8B-B14F-4D97-AF65-F5344CB8AC3E}">
-        <p14:creationId xmlns:p14="http://schemas.microsoft.com/office/powerpoint/2010/main" val="3457733199"/>
+        <p14:creationId xmlns:p14="http://schemas.microsoft.com/office/powerpoint/2010/main" val="3090267442"/>
       </p:ext>
     </p:extLst>
   </p:cSld>
@@ -728,69 +709,11 @@
           <a:bodyPr/>
           <a:lstStyle/>
           <a:p>
-            <a:pPr lvl="1"/>
-            <a:r>
-              <a:rPr lang="de-DE" dirty="0" smtClean="0"/>
-              <a:t>1.Spieler registrieren</a:t>
-            </a:r>
-          </a:p>
-          <a:p>
-            <a:pPr lvl="1"/>
-            <a:r>
-              <a:rPr lang="de-DE" dirty="0" smtClean="0"/>
-              <a:t>2.Spieler einloggen</a:t>
-            </a:r>
-          </a:p>
-          <a:p>
-            <a:pPr lvl="1"/>
-            <a:r>
-              <a:rPr lang="de-DE" dirty="0" smtClean="0"/>
-              <a:t>3.</a:t>
-            </a:r>
-            <a:r>
-              <a:rPr lang="de-DE" baseline="0" dirty="0" smtClean="0"/>
-              <a:t> </a:t>
-            </a:r>
-            <a:r>
-              <a:rPr lang="de-DE" baseline="0" dirty="0" err="1" smtClean="0"/>
-              <a:t>Homescreen</a:t>
-            </a:r>
-            <a:r>
-              <a:rPr lang="de-DE" baseline="0" dirty="0" smtClean="0"/>
-              <a:t> erklären</a:t>
-            </a:r>
-            <a:endParaRPr lang="de-DE" dirty="0" smtClean="0"/>
-          </a:p>
-          <a:p>
-            <a:pPr lvl="1"/>
-            <a:r>
-              <a:rPr lang="de-DE" dirty="0" smtClean="0"/>
-              <a:t>4.Spieler suchen</a:t>
-            </a:r>
-          </a:p>
-          <a:p>
-            <a:pPr lvl="1"/>
-            <a:r>
-              <a:rPr lang="de-DE" dirty="0" smtClean="0"/>
-              <a:t>5.</a:t>
-            </a:r>
-            <a:r>
-              <a:rPr lang="de-DE" baseline="0" dirty="0" smtClean="0"/>
-              <a:t> </a:t>
-            </a:r>
-            <a:r>
-              <a:rPr lang="de-DE" dirty="0" smtClean="0"/>
-              <a:t>Spiel annehmen</a:t>
-            </a:r>
-            <a:r>
-              <a:rPr lang="de-DE" baseline="0" dirty="0" smtClean="0"/>
-              <a:t> und Spielen (2 Runden) gegen z.B. Peter oder durch </a:t>
-            </a:r>
-            <a:r>
-              <a:rPr lang="de-DE" baseline="0" dirty="0" err="1" smtClean="0"/>
-              <a:t>relogg</a:t>
-            </a:r>
-            <a:endParaRPr lang="de-DE" dirty="0" smtClean="0"/>
+            <a:r>
+              <a:rPr lang="de-DE" dirty="0" smtClean="0"/>
+              <a:t>PHIL</a:t>
+            </a:r>
+            <a:endParaRPr lang="de-DE" dirty="0"/>
           </a:p>
         </p:txBody>
       </p:sp>
@@ -811,7 +734,7 @@
           <a:p>
             <a:fld id="{BE068A66-658E-4B20-A224-C8B3BE3333BC}" type="slidenum">
               <a:rPr lang="en-US" smtClean="0"/>
-              <a:t>6</a:t>
+              <a:t>4</a:t>
             </a:fld>
             <a:endParaRPr lang="en-US"/>
           </a:p>
@@ -820,7 +743,7 @@
     </p:spTree>
     <p:extLst>
       <p:ext uri="{BB962C8B-B14F-4D97-AF65-F5344CB8AC3E}">
-        <p14:creationId xmlns:p14="http://schemas.microsoft.com/office/powerpoint/2010/main" val="890759016"/>
+        <p14:creationId xmlns:p14="http://schemas.microsoft.com/office/powerpoint/2010/main" val="554161120"/>
       </p:ext>
     </p:extLst>
   </p:cSld>
@@ -876,34 +799,60 @@
           <a:p>
             <a:r>
               <a:rPr lang="de-DE" dirty="0" smtClean="0"/>
-              <a:t>Ein Paar Anforderungen an App erklären</a:t>
+              <a:t>MAXI</a:t>
+            </a:r>
+          </a:p>
+          <a:p>
+            <a:r>
+              <a:rPr lang="de-DE" dirty="0" smtClean="0"/>
+              <a:t>Spiele</a:t>
             </a:r>
             <a:r>
               <a:rPr lang="de-DE" baseline="0" dirty="0" smtClean="0"/>
-              <a:t> und zeigen.</a:t>
-            </a:r>
-          </a:p>
-          <a:p>
+              <a:t>r </a:t>
+            </a:r>
             <a:r>
               <a:rPr lang="de-DE" baseline="0" dirty="0" smtClean="0"/>
-              <a:t>Pflege in </a:t>
-            </a:r>
-            <a:r>
-              <a:rPr lang="de-DE" baseline="0" dirty="0" err="1" smtClean="0"/>
-              <a:t>Git</a:t>
-            </a:r>
+              <a:t>registrieren: </a:t>
+            </a:r>
+          </a:p>
+          <a:p>
             <a:r>
               <a:rPr lang="de-DE" baseline="0" dirty="0" smtClean="0"/>
-              <a:t>-Hub zeigen (</a:t>
-            </a:r>
-            <a:r>
-              <a:rPr lang="de-DE" baseline="0" dirty="0" err="1" smtClean="0"/>
-              <a:t>Issues</a:t>
-            </a:r>
+              <a:t>-&gt; Neuen Spieler anlegen</a:t>
+            </a:r>
+          </a:p>
+          <a:p>
+            <a:endParaRPr lang="de-DE" baseline="0" dirty="0" smtClean="0"/>
+          </a:p>
+          <a:p>
             <a:r>
               <a:rPr lang="de-DE" baseline="0" dirty="0" smtClean="0"/>
-              <a:t>)</a:t>
-            </a:r>
+              <a:t>Spieler einloggen: </a:t>
+            </a:r>
+          </a:p>
+          <a:p>
+            <a:r>
+              <a:rPr lang="de-DE" baseline="0" dirty="0" smtClean="0"/>
+              <a:t>-&gt; Usernamen einloggen</a:t>
+            </a:r>
+          </a:p>
+          <a:p>
+            <a:r>
+              <a:rPr lang="de-DE" baseline="0" dirty="0" smtClean="0"/>
+              <a:t> </a:t>
+            </a:r>
+          </a:p>
+          <a:p>
+            <a:r>
+              <a:rPr lang="de-DE" baseline="0" dirty="0" smtClean="0"/>
+              <a:t>Spieler Suchen</a:t>
+            </a:r>
+          </a:p>
+          <a:p>
+            <a:endParaRPr lang="de-DE" baseline="0" dirty="0" smtClean="0"/>
+          </a:p>
+          <a:p>
             <a:endParaRPr lang="en-US" dirty="0"/>
           </a:p>
         </p:txBody>
@@ -925,7 +874,7 @@
           <a:p>
             <a:fld id="{BE068A66-658E-4B20-A224-C8B3BE3333BC}" type="slidenum">
               <a:rPr lang="en-US" smtClean="0"/>
-              <a:t>8</a:t>
+              <a:t>5</a:t>
             </a:fld>
             <a:endParaRPr lang="en-US"/>
           </a:p>
@@ -934,7 +883,7 @@
     </p:spTree>
     <p:extLst>
       <p:ext uri="{BB962C8B-B14F-4D97-AF65-F5344CB8AC3E}">
-        <p14:creationId xmlns:p14="http://schemas.microsoft.com/office/powerpoint/2010/main" val="398897186"/>
+        <p14:creationId xmlns:p14="http://schemas.microsoft.com/office/powerpoint/2010/main" val="3457733199"/>
       </p:ext>
     </p:extLst>
   </p:cSld>
@@ -988,9 +937,428 @@
           <a:bodyPr/>
           <a:lstStyle/>
           <a:p>
-            <a:r>
-              <a:rPr lang="de-DE" dirty="0" smtClean="0"/>
-              <a:t>Versionsverwaltung des Quellcodes -&gt; </a:t>
+            <a:pPr marL="457200" marR="0" lvl="1" indent="0" algn="l" defTabSz="914400" rtl="0" eaLnBrk="1" fontAlgn="auto" latinLnBrk="0" hangingPunct="1">
+              <a:lnSpc>
+                <a:spcPct val="100000"/>
+              </a:lnSpc>
+              <a:spcBef>
+                <a:spcPts val="0"/>
+              </a:spcBef>
+              <a:spcAft>
+                <a:spcPts val="0"/>
+              </a:spcAft>
+              <a:buClrTx/>
+              <a:buSzTx/>
+              <a:buFontTx/>
+              <a:buNone/>
+              <a:tabLst/>
+              <a:defRPr/>
+            </a:pPr>
+            <a:r>
+              <a:rPr lang="de-DE" dirty="0" smtClean="0"/>
+              <a:t>MAXI</a:t>
+            </a:r>
+          </a:p>
+          <a:p>
+            <a:pPr lvl="1"/>
+            <a:endParaRPr lang="de-DE" dirty="0" smtClean="0"/>
+          </a:p>
+          <a:p>
+            <a:pPr lvl="1"/>
+            <a:r>
+              <a:rPr lang="de-DE" dirty="0" smtClean="0"/>
+              <a:t>1.Spieler </a:t>
+            </a:r>
+            <a:r>
+              <a:rPr lang="de-DE" dirty="0" smtClean="0"/>
+              <a:t>registrieren</a:t>
+            </a:r>
+          </a:p>
+          <a:p>
+            <a:pPr lvl="1"/>
+            <a:r>
+              <a:rPr lang="de-DE" dirty="0" smtClean="0"/>
+              <a:t>2.Spieler einloggen</a:t>
+            </a:r>
+          </a:p>
+          <a:p>
+            <a:pPr lvl="1"/>
+            <a:r>
+              <a:rPr lang="de-DE" dirty="0" smtClean="0"/>
+              <a:t>3.</a:t>
+            </a:r>
+            <a:r>
+              <a:rPr lang="de-DE" baseline="0" dirty="0" smtClean="0"/>
+              <a:t> </a:t>
+            </a:r>
+            <a:r>
+              <a:rPr lang="de-DE" baseline="0" dirty="0" err="1" smtClean="0"/>
+              <a:t>Homescreen</a:t>
+            </a:r>
+            <a:r>
+              <a:rPr lang="de-DE" baseline="0" dirty="0" smtClean="0"/>
+              <a:t> erklären</a:t>
+            </a:r>
+            <a:endParaRPr lang="de-DE" dirty="0" smtClean="0"/>
+          </a:p>
+          <a:p>
+            <a:pPr lvl="1"/>
+            <a:r>
+              <a:rPr lang="de-DE" dirty="0" smtClean="0"/>
+              <a:t>4.Spieler suchen</a:t>
+            </a:r>
+          </a:p>
+          <a:p>
+            <a:pPr lvl="1"/>
+            <a:r>
+              <a:rPr lang="de-DE" dirty="0" smtClean="0"/>
+              <a:t>5.</a:t>
+            </a:r>
+            <a:r>
+              <a:rPr lang="de-DE" baseline="0" dirty="0" smtClean="0"/>
+              <a:t> </a:t>
+            </a:r>
+            <a:r>
+              <a:rPr lang="de-DE" dirty="0" smtClean="0"/>
+              <a:t>Spiel annehmen</a:t>
+            </a:r>
+            <a:r>
+              <a:rPr lang="de-DE" baseline="0" dirty="0" smtClean="0"/>
+              <a:t> und Spielen (2 Runden) gegen z.B. Peter oder durch </a:t>
+            </a:r>
+            <a:r>
+              <a:rPr lang="de-DE" baseline="0" dirty="0" err="1" smtClean="0"/>
+              <a:t>relogg</a:t>
+            </a:r>
+            <a:endParaRPr lang="de-DE" dirty="0" smtClean="0"/>
+          </a:p>
+        </p:txBody>
+      </p:sp>
+      <p:sp>
+        <p:nvSpPr>
+          <p:cNvPr id="4" name="Slide Number Placeholder 3"/>
+          <p:cNvSpPr>
+            <a:spLocks noGrp="1"/>
+          </p:cNvSpPr>
+          <p:nvPr>
+            <p:ph type="sldNum" sz="quarter" idx="10"/>
+          </p:nvPr>
+        </p:nvSpPr>
+        <p:spPr/>
+        <p:txBody>
+          <a:bodyPr/>
+          <a:lstStyle/>
+          <a:p>
+            <a:fld id="{BE068A66-658E-4B20-A224-C8B3BE3333BC}" type="slidenum">
+              <a:rPr lang="en-US" smtClean="0"/>
+              <a:t>6</a:t>
+            </a:fld>
+            <a:endParaRPr lang="en-US"/>
+          </a:p>
+        </p:txBody>
+      </p:sp>
+    </p:spTree>
+    <p:extLst>
+      <p:ext uri="{BB962C8B-B14F-4D97-AF65-F5344CB8AC3E}">
+        <p14:creationId xmlns:p14="http://schemas.microsoft.com/office/powerpoint/2010/main" val="890759016"/>
+      </p:ext>
+    </p:extLst>
+  </p:cSld>
+  <p:clrMapOvr>
+    <a:masterClrMapping/>
+  </p:clrMapOvr>
+</p:notes>
+</file>
+
+<file path=ppt/notesSlides/notesSlide6.xml><?xml version="1.0" encoding="utf-8"?>
+<p:notes xmlns:a="http://schemas.openxmlformats.org/drawingml/2006/main" xmlns:r="http://schemas.openxmlformats.org/officeDocument/2006/relationships" xmlns:p="http://schemas.openxmlformats.org/presentationml/2006/main">
+  <p:cSld>
+    <p:spTree>
+      <p:nvGrpSpPr>
+        <p:cNvPr id="1" name=""/>
+        <p:cNvGrpSpPr/>
+        <p:nvPr/>
+      </p:nvGrpSpPr>
+      <p:grpSpPr>
+        <a:xfrm>
+          <a:off x="0" y="0"/>
+          <a:ext cx="0" cy="0"/>
+          <a:chOff x="0" y="0"/>
+          <a:chExt cx="0" cy="0"/>
+        </a:xfrm>
+      </p:grpSpPr>
+      <p:sp>
+        <p:nvSpPr>
+          <p:cNvPr id="2" name="Slide Image Placeholder 1"/>
+          <p:cNvSpPr>
+            <a:spLocks noGrp="1" noRot="1" noChangeAspect="1"/>
+          </p:cNvSpPr>
+          <p:nvPr>
+            <p:ph type="sldImg"/>
+          </p:nvPr>
+        </p:nvSpPr>
+        <p:spPr/>
+      </p:sp>
+      <p:sp>
+        <p:nvSpPr>
+          <p:cNvPr id="3" name="Notes Placeholder 2"/>
+          <p:cNvSpPr>
+            <a:spLocks noGrp="1"/>
+          </p:cNvSpPr>
+          <p:nvPr>
+            <p:ph type="body" idx="1"/>
+          </p:nvPr>
+        </p:nvSpPr>
+        <p:spPr/>
+        <p:txBody>
+          <a:bodyPr/>
+          <a:lstStyle/>
+          <a:p>
+            <a:r>
+              <a:rPr lang="de-DE" dirty="0" smtClean="0"/>
+              <a:t>KEVIN</a:t>
+            </a:r>
+            <a:endParaRPr lang="de-DE" dirty="0"/>
+          </a:p>
+        </p:txBody>
+      </p:sp>
+      <p:sp>
+        <p:nvSpPr>
+          <p:cNvPr id="4" name="Slide Number Placeholder 3"/>
+          <p:cNvSpPr>
+            <a:spLocks noGrp="1"/>
+          </p:cNvSpPr>
+          <p:nvPr>
+            <p:ph type="sldNum" sz="quarter" idx="10"/>
+          </p:nvPr>
+        </p:nvSpPr>
+        <p:spPr/>
+        <p:txBody>
+          <a:bodyPr/>
+          <a:lstStyle/>
+          <a:p>
+            <a:fld id="{BE068A66-658E-4B20-A224-C8B3BE3333BC}" type="slidenum">
+              <a:rPr lang="en-US" smtClean="0"/>
+              <a:t>7</a:t>
+            </a:fld>
+            <a:endParaRPr lang="en-US"/>
+          </a:p>
+        </p:txBody>
+      </p:sp>
+    </p:spTree>
+    <p:extLst>
+      <p:ext uri="{BB962C8B-B14F-4D97-AF65-F5344CB8AC3E}">
+        <p14:creationId xmlns:p14="http://schemas.microsoft.com/office/powerpoint/2010/main" val="603995143"/>
+      </p:ext>
+    </p:extLst>
+  </p:cSld>
+  <p:clrMapOvr>
+    <a:masterClrMapping/>
+  </p:clrMapOvr>
+</p:notes>
+</file>
+
+<file path=ppt/notesSlides/notesSlide7.xml><?xml version="1.0" encoding="utf-8"?>
+<p:notes xmlns:a="http://schemas.openxmlformats.org/drawingml/2006/main" xmlns:r="http://schemas.openxmlformats.org/officeDocument/2006/relationships" xmlns:p="http://schemas.openxmlformats.org/presentationml/2006/main">
+  <p:cSld>
+    <p:spTree>
+      <p:nvGrpSpPr>
+        <p:cNvPr id="1" name=""/>
+        <p:cNvGrpSpPr/>
+        <p:nvPr/>
+      </p:nvGrpSpPr>
+      <p:grpSpPr>
+        <a:xfrm>
+          <a:off x="0" y="0"/>
+          <a:ext cx="0" cy="0"/>
+          <a:chOff x="0" y="0"/>
+          <a:chExt cx="0" cy="0"/>
+        </a:xfrm>
+      </p:grpSpPr>
+      <p:sp>
+        <p:nvSpPr>
+          <p:cNvPr id="2" name="Slide Image Placeholder 1"/>
+          <p:cNvSpPr>
+            <a:spLocks noGrp="1" noRot="1" noChangeAspect="1"/>
+          </p:cNvSpPr>
+          <p:nvPr>
+            <p:ph type="sldImg"/>
+          </p:nvPr>
+        </p:nvSpPr>
+        <p:spPr/>
+      </p:sp>
+      <p:sp>
+        <p:nvSpPr>
+          <p:cNvPr id="3" name="Notes Placeholder 2"/>
+          <p:cNvSpPr>
+            <a:spLocks noGrp="1"/>
+          </p:cNvSpPr>
+          <p:nvPr>
+            <p:ph type="body" idx="1"/>
+          </p:nvPr>
+        </p:nvSpPr>
+        <p:spPr/>
+        <p:txBody>
+          <a:bodyPr/>
+          <a:lstStyle/>
+          <a:p>
+            <a:pPr marL="0" marR="0" indent="0" algn="l" defTabSz="914400" rtl="0" eaLnBrk="1" fontAlgn="auto" latinLnBrk="0" hangingPunct="1">
+              <a:lnSpc>
+                <a:spcPct val="100000"/>
+              </a:lnSpc>
+              <a:spcBef>
+                <a:spcPts val="0"/>
+              </a:spcBef>
+              <a:spcAft>
+                <a:spcPts val="0"/>
+              </a:spcAft>
+              <a:buClrTx/>
+              <a:buSzTx/>
+              <a:buFontTx/>
+              <a:buNone/>
+              <a:tabLst/>
+              <a:defRPr/>
+            </a:pPr>
+            <a:r>
+              <a:rPr lang="de-DE" dirty="0" smtClean="0"/>
+              <a:t>KEVIN</a:t>
+            </a:r>
+          </a:p>
+          <a:p>
+            <a:endParaRPr lang="de-DE" dirty="0" smtClean="0"/>
+          </a:p>
+          <a:p>
+            <a:r>
+              <a:rPr lang="de-DE" dirty="0" smtClean="0"/>
+              <a:t>Ein </a:t>
+            </a:r>
+            <a:r>
+              <a:rPr lang="de-DE" dirty="0" smtClean="0"/>
+              <a:t>Paar Anforderungen an App erklären</a:t>
+            </a:r>
+            <a:r>
+              <a:rPr lang="de-DE" baseline="0" dirty="0" smtClean="0"/>
+              <a:t> und zeigen.</a:t>
+            </a:r>
+          </a:p>
+          <a:p>
+            <a:r>
+              <a:rPr lang="de-DE" baseline="0" dirty="0" smtClean="0"/>
+              <a:t>Pflege in </a:t>
+            </a:r>
+            <a:r>
+              <a:rPr lang="de-DE" baseline="0" dirty="0" err="1" smtClean="0"/>
+              <a:t>Git</a:t>
+            </a:r>
+            <a:r>
+              <a:rPr lang="de-DE" baseline="0" dirty="0" smtClean="0"/>
+              <a:t>-Hub zeigen (</a:t>
+            </a:r>
+            <a:r>
+              <a:rPr lang="de-DE" baseline="0" dirty="0" err="1" smtClean="0"/>
+              <a:t>Issues</a:t>
+            </a:r>
+            <a:r>
+              <a:rPr lang="de-DE" baseline="0" dirty="0" smtClean="0"/>
+              <a:t>)</a:t>
+            </a:r>
+            <a:endParaRPr lang="en-US" dirty="0"/>
+          </a:p>
+        </p:txBody>
+      </p:sp>
+      <p:sp>
+        <p:nvSpPr>
+          <p:cNvPr id="4" name="Slide Number Placeholder 3"/>
+          <p:cNvSpPr>
+            <a:spLocks noGrp="1"/>
+          </p:cNvSpPr>
+          <p:nvPr>
+            <p:ph type="sldNum" sz="quarter" idx="10"/>
+          </p:nvPr>
+        </p:nvSpPr>
+        <p:spPr/>
+        <p:txBody>
+          <a:bodyPr/>
+          <a:lstStyle/>
+          <a:p>
+            <a:fld id="{BE068A66-658E-4B20-A224-C8B3BE3333BC}" type="slidenum">
+              <a:rPr lang="en-US" smtClean="0"/>
+              <a:t>8</a:t>
+            </a:fld>
+            <a:endParaRPr lang="en-US"/>
+          </a:p>
+        </p:txBody>
+      </p:sp>
+    </p:spTree>
+    <p:extLst>
+      <p:ext uri="{BB962C8B-B14F-4D97-AF65-F5344CB8AC3E}">
+        <p14:creationId xmlns:p14="http://schemas.microsoft.com/office/powerpoint/2010/main" val="398897186"/>
+      </p:ext>
+    </p:extLst>
+  </p:cSld>
+  <p:clrMapOvr>
+    <a:masterClrMapping/>
+  </p:clrMapOvr>
+</p:notes>
+</file>
+
+<file path=ppt/notesSlides/notesSlide8.xml><?xml version="1.0" encoding="utf-8"?>
+<p:notes xmlns:a="http://schemas.openxmlformats.org/drawingml/2006/main" xmlns:r="http://schemas.openxmlformats.org/officeDocument/2006/relationships" xmlns:p="http://schemas.openxmlformats.org/presentationml/2006/main">
+  <p:cSld>
+    <p:spTree>
+      <p:nvGrpSpPr>
+        <p:cNvPr id="1" name=""/>
+        <p:cNvGrpSpPr/>
+        <p:nvPr/>
+      </p:nvGrpSpPr>
+      <p:grpSpPr>
+        <a:xfrm>
+          <a:off x="0" y="0"/>
+          <a:ext cx="0" cy="0"/>
+          <a:chOff x="0" y="0"/>
+          <a:chExt cx="0" cy="0"/>
+        </a:xfrm>
+      </p:grpSpPr>
+      <p:sp>
+        <p:nvSpPr>
+          <p:cNvPr id="2" name="Slide Image Placeholder 1"/>
+          <p:cNvSpPr>
+            <a:spLocks noGrp="1" noRot="1" noChangeAspect="1"/>
+          </p:cNvSpPr>
+          <p:nvPr>
+            <p:ph type="sldImg"/>
+          </p:nvPr>
+        </p:nvSpPr>
+        <p:spPr/>
+      </p:sp>
+      <p:sp>
+        <p:nvSpPr>
+          <p:cNvPr id="3" name="Notes Placeholder 2"/>
+          <p:cNvSpPr>
+            <a:spLocks noGrp="1"/>
+          </p:cNvSpPr>
+          <p:nvPr>
+            <p:ph type="body" idx="1"/>
+          </p:nvPr>
+        </p:nvSpPr>
+        <p:spPr/>
+        <p:txBody>
+          <a:bodyPr/>
+          <a:lstStyle/>
+          <a:p>
+            <a:r>
+              <a:rPr lang="de-DE" dirty="0" smtClean="0"/>
+              <a:t>PAUL</a:t>
+            </a:r>
+          </a:p>
+          <a:p>
+            <a:r>
+              <a:rPr lang="de-DE" dirty="0" smtClean="0"/>
+              <a:t>Versionsverwaltung </a:t>
+            </a:r>
+            <a:r>
+              <a:rPr lang="de-DE" dirty="0" smtClean="0"/>
+              <a:t>des Quellcodes -&gt; </a:t>
             </a:r>
             <a:r>
               <a:rPr lang="de-DE" dirty="0" err="1" smtClean="0"/>
@@ -1119,6 +1487,113 @@
     <p:extLst>
       <p:ext uri="{BB962C8B-B14F-4D97-AF65-F5344CB8AC3E}">
         <p14:creationId xmlns:p14="http://schemas.microsoft.com/office/powerpoint/2010/main" val="2708332651"/>
+      </p:ext>
+    </p:extLst>
+  </p:cSld>
+  <p:clrMapOvr>
+    <a:masterClrMapping/>
+  </p:clrMapOvr>
+</p:notes>
+</file>
+
+<file path=ppt/notesSlides/notesSlide9.xml><?xml version="1.0" encoding="utf-8"?>
+<p:notes xmlns:a="http://schemas.openxmlformats.org/drawingml/2006/main" xmlns:r="http://schemas.openxmlformats.org/officeDocument/2006/relationships" xmlns:p="http://schemas.openxmlformats.org/presentationml/2006/main">
+  <p:cSld>
+    <p:spTree>
+      <p:nvGrpSpPr>
+        <p:cNvPr id="1" name=""/>
+        <p:cNvGrpSpPr/>
+        <p:nvPr/>
+      </p:nvGrpSpPr>
+      <p:grpSpPr>
+        <a:xfrm>
+          <a:off x="0" y="0"/>
+          <a:ext cx="0" cy="0"/>
+          <a:chOff x="0" y="0"/>
+          <a:chExt cx="0" cy="0"/>
+        </a:xfrm>
+      </p:grpSpPr>
+      <p:sp>
+        <p:nvSpPr>
+          <p:cNvPr id="2" name="Slide Image Placeholder 1"/>
+          <p:cNvSpPr>
+            <a:spLocks noGrp="1" noRot="1" noChangeAspect="1"/>
+          </p:cNvSpPr>
+          <p:nvPr>
+            <p:ph type="sldImg"/>
+          </p:nvPr>
+        </p:nvSpPr>
+        <p:spPr/>
+      </p:sp>
+      <p:sp>
+        <p:nvSpPr>
+          <p:cNvPr id="3" name="Notes Placeholder 2"/>
+          <p:cNvSpPr>
+            <a:spLocks noGrp="1"/>
+          </p:cNvSpPr>
+          <p:nvPr>
+            <p:ph type="body" idx="1"/>
+          </p:nvPr>
+        </p:nvSpPr>
+        <p:spPr/>
+        <p:txBody>
+          <a:bodyPr/>
+          <a:lstStyle/>
+          <a:p>
+            <a:pPr marL="0" marR="0" indent="0" algn="l" defTabSz="914400" rtl="0" eaLnBrk="1" fontAlgn="auto" latinLnBrk="0" hangingPunct="1">
+              <a:lnSpc>
+                <a:spcPct val="100000"/>
+              </a:lnSpc>
+              <a:spcBef>
+                <a:spcPts val="0"/>
+              </a:spcBef>
+              <a:spcAft>
+                <a:spcPts val="0"/>
+              </a:spcAft>
+              <a:buClrTx/>
+              <a:buSzTx/>
+              <a:buFontTx/>
+              <a:buNone/>
+              <a:tabLst/>
+              <a:defRPr/>
+            </a:pPr>
+            <a:r>
+              <a:rPr lang="de-DE" dirty="0" smtClean="0"/>
+              <a:t>PAUL</a:t>
+            </a:r>
+          </a:p>
+          <a:p>
+            <a:endParaRPr lang="de-DE" dirty="0"/>
+          </a:p>
+        </p:txBody>
+      </p:sp>
+      <p:sp>
+        <p:nvSpPr>
+          <p:cNvPr id="4" name="Slide Number Placeholder 3"/>
+          <p:cNvSpPr>
+            <a:spLocks noGrp="1"/>
+          </p:cNvSpPr>
+          <p:nvPr>
+            <p:ph type="sldNum" sz="quarter" idx="10"/>
+          </p:nvPr>
+        </p:nvSpPr>
+        <p:spPr/>
+        <p:txBody>
+          <a:bodyPr/>
+          <a:lstStyle/>
+          <a:p>
+            <a:fld id="{BE068A66-658E-4B20-A224-C8B3BE3333BC}" type="slidenum">
+              <a:rPr lang="en-US" smtClean="0"/>
+              <a:t>10</a:t>
+            </a:fld>
+            <a:endParaRPr lang="en-US"/>
+          </a:p>
+        </p:txBody>
+      </p:sp>
+    </p:spTree>
+    <p:extLst>
+      <p:ext uri="{BB962C8B-B14F-4D97-AF65-F5344CB8AC3E}">
+        <p14:creationId xmlns:p14="http://schemas.microsoft.com/office/powerpoint/2010/main" val="2782740131"/>
       </p:ext>
     </p:extLst>
   </p:cSld>
@@ -1241,7 +1716,7 @@
           <a:p>
             <a:fld id="{8700DC42-F920-4CC4-8FDD-7A5A47523AA1}" type="slidenum">
               <a:rPr lang="en-US" smtClean="0"/>
-              <a:t>‹Nr.›</a:t>
+              <a:t>‹#›</a:t>
             </a:fld>
             <a:endParaRPr lang="en-US" dirty="0"/>
           </a:p>
@@ -1565,7 +2040,7 @@
           <a:p>
             <a:fld id="{8700DC42-F920-4CC4-8FDD-7A5A47523AA1}" type="slidenum">
               <a:rPr lang="en-US" smtClean="0"/>
-              <a:t>‹Nr.›</a:t>
+              <a:t>‹#›</a:t>
             </a:fld>
             <a:endParaRPr lang="en-US"/>
           </a:p>
@@ -1744,7 +2219,7 @@
           <a:p>
             <a:fld id="{8700DC42-F920-4CC4-8FDD-7A5A47523AA1}" type="slidenum">
               <a:rPr lang="en-US" smtClean="0"/>
-              <a:t>‹Nr.›</a:t>
+              <a:t>‹#›</a:t>
             </a:fld>
             <a:endParaRPr lang="en-US"/>
           </a:p>
@@ -1877,7 +2352,7 @@
           <a:p>
             <a:fld id="{8700DC42-F920-4CC4-8FDD-7A5A47523AA1}" type="slidenum">
               <a:rPr lang="en-US" smtClean="0"/>
-              <a:t>‹Nr.›</a:t>
+              <a:t>‹#›</a:t>
             </a:fld>
             <a:endParaRPr lang="en-US"/>
           </a:p>
@@ -2255,7 +2730,7 @@
           <a:p>
             <a:fld id="{8700DC42-F920-4CC4-8FDD-7A5A47523AA1}" type="slidenum">
               <a:rPr lang="en-US" smtClean="0"/>
-              <a:t>‹Nr.›</a:t>
+              <a:t>‹#›</a:t>
             </a:fld>
             <a:endParaRPr lang="en-US"/>
           </a:p>
@@ -2552,7 +3027,7 @@
           <a:p>
             <a:fld id="{8700DC42-F920-4CC4-8FDD-7A5A47523AA1}" type="slidenum">
               <a:rPr lang="en-US" smtClean="0"/>
-              <a:t>‹Nr.›</a:t>
+              <a:t>‹#›</a:t>
             </a:fld>
             <a:endParaRPr lang="en-US"/>
           </a:p>
@@ -2984,7 +3459,7 @@
           <a:p>
             <a:fld id="{8700DC42-F920-4CC4-8FDD-7A5A47523AA1}" type="slidenum">
               <a:rPr lang="en-US" smtClean="0"/>
-              <a:t>‹Nr.›</a:t>
+              <a:t>‹#›</a:t>
             </a:fld>
             <a:endParaRPr lang="en-US"/>
           </a:p>
@@ -3106,7 +3581,7 @@
           <a:p>
             <a:fld id="{8700DC42-F920-4CC4-8FDD-7A5A47523AA1}" type="slidenum">
               <a:rPr lang="en-US" smtClean="0"/>
-              <a:t>‹Nr.›</a:t>
+              <a:t>‹#›</a:t>
             </a:fld>
             <a:endParaRPr lang="en-US"/>
           </a:p>
@@ -3200,7 +3675,7 @@
           <a:p>
             <a:fld id="{8700DC42-F920-4CC4-8FDD-7A5A47523AA1}" type="slidenum">
               <a:rPr lang="en-US" smtClean="0"/>
-              <a:t>‹Nr.›</a:t>
+              <a:t>‹#›</a:t>
             </a:fld>
             <a:endParaRPr lang="en-US"/>
           </a:p>
@@ -3454,7 +3929,7 @@
           <a:p>
             <a:fld id="{8700DC42-F920-4CC4-8FDD-7A5A47523AA1}" type="slidenum">
               <a:rPr lang="en-US" smtClean="0"/>
-              <a:t>‹Nr.›</a:t>
+              <a:t>‹#›</a:t>
             </a:fld>
             <a:endParaRPr lang="en-US"/>
           </a:p>
@@ -3974,7 +4449,7 @@
           <a:p>
             <a:fld id="{8700DC42-F920-4CC4-8FDD-7A5A47523AA1}" type="slidenum">
               <a:rPr lang="en-US" smtClean="0"/>
-              <a:t>‹Nr.›</a:t>
+              <a:t>‹#›</a:t>
             </a:fld>
             <a:endParaRPr lang="en-US"/>
           </a:p>
@@ -4244,7 +4719,7 @@
           <a:p>
             <a:fld id="{8700DC42-F920-4CC4-8FDD-7A5A47523AA1}" type="slidenum">
               <a:rPr lang="en-US" smtClean="0"/>
-              <a:t>‹Nr.›</a:t>
+              <a:t>‹#›</a:t>
             </a:fld>
             <a:endParaRPr lang="en-US"/>
           </a:p>
@@ -5348,7 +5823,11 @@
             </a:r>
             <a:r>
               <a:rPr lang="de-DE" dirty="0" smtClean="0"/>
-              <a:t> App</a:t>
+              <a:t> </a:t>
+            </a:r>
+            <a:r>
+              <a:rPr lang="de-DE" dirty="0" smtClean="0"/>
+              <a:t>App</a:t>
             </a:r>
           </a:p>
           <a:p>
@@ -5552,7 +6031,7 @@
             </a:r>
             <a:r>
               <a:rPr lang="de-DE" dirty="0" smtClean="0">
-                <a:hlinkClick r:id="rId2"/>
+                <a:hlinkClick r:id="rId3"/>
               </a:rPr>
               <a:t>www.studiduell-app.de</a:t>
             </a:r>
@@ -5587,13 +6066,24 @@
               <a:t>Vorstellung der </a:t>
             </a:r>
             <a:r>
-              <a:rPr lang="de-DE" dirty="0" err="1" smtClean="0"/>
-              <a:t>Appidee</a:t>
-            </a:r>
-            <a:r>
-              <a:rPr lang="de-DE" dirty="0" smtClean="0"/>
-              <a:t>, der potenziellen Nutzergruppe</a:t>
-            </a:r>
+              <a:rPr lang="de-DE" dirty="0" smtClean="0"/>
+              <a:t>App-Idee und </a:t>
+            </a:r>
+            <a:r>
+              <a:rPr lang="de-DE" dirty="0" smtClean="0"/>
+              <a:t>der potenziellen </a:t>
+            </a:r>
+            <a:r>
+              <a:rPr lang="de-DE" dirty="0" smtClean="0"/>
+              <a:t>Nutzergruppe</a:t>
+            </a:r>
+          </a:p>
+          <a:p>
+            <a:r>
+              <a:rPr lang="de-DE" dirty="0" smtClean="0"/>
+              <a:t>Download der Android-App</a:t>
+            </a:r>
+            <a:endParaRPr lang="de-DE" dirty="0" smtClean="0"/>
           </a:p>
           <a:p>
             <a:r>
@@ -5745,393 +6235,6 @@
             <a:r>
               <a:rPr lang="de-DE" dirty="0" smtClean="0"/>
               <a:t>Produktpräsentation– Website</a:t>
-            </a:r>
-            <a:endParaRPr lang="en-US" dirty="0"/>
-          </a:p>
-        </p:txBody>
-      </p:sp>
-      <p:pic>
-        <p:nvPicPr>
-          <p:cNvPr id="4" name="Picture 2" descr="C:\Users\philipp.friese\Documents\GitHub\WI-Quiz\Studiduell_Prototyp\www\images\Logo_App.png"/>
-          <p:cNvPicPr>
-            <a:picLocks noChangeAspect="1" noChangeArrowheads="1"/>
-          </p:cNvPicPr>
-          <p:nvPr/>
-        </p:nvPicPr>
-        <p:blipFill>
-          <a:blip r:embed="rId2" cstate="print">
-            <a:extLst>
-              <a:ext uri="{28A0092B-C50C-407E-A947-70E740481C1C}">
-                <a14:useLocalDpi xmlns:a14="http://schemas.microsoft.com/office/drawing/2010/main" val="0"/>
-              </a:ext>
-            </a:extLst>
-          </a:blip>
-          <a:srcRect/>
-          <a:stretch>
-            <a:fillRect/>
-          </a:stretch>
-        </p:blipFill>
-        <p:spPr bwMode="auto">
-          <a:xfrm>
-            <a:off x="3527884" y="495585"/>
-            <a:ext cx="2088232" cy="1853295"/>
-          </a:xfrm>
-          <a:prstGeom prst="rect">
-            <a:avLst/>
-          </a:prstGeom>
-          <a:noFill/>
-          <a:extLst>
-            <a:ext uri="{909E8E84-426E-40DD-AFC4-6F175D3DCCD1}">
-              <a14:hiddenFill xmlns:a14="http://schemas.microsoft.com/office/drawing/2010/main">
-                <a:solidFill>
-                  <a:srgbClr val="FFFFFF"/>
-                </a:solidFill>
-              </a14:hiddenFill>
-            </a:ext>
-          </a:extLst>
-        </p:spPr>
-      </p:pic>
-      <p:sp>
-        <p:nvSpPr>
-          <p:cNvPr id="3" name="Date Placeholder 2"/>
-          <p:cNvSpPr>
-            <a:spLocks noGrp="1"/>
-          </p:cNvSpPr>
-          <p:nvPr>
-            <p:ph type="dt" sz="half" idx="10"/>
-          </p:nvPr>
-        </p:nvSpPr>
-        <p:spPr/>
-        <p:txBody>
-          <a:bodyPr/>
-          <a:lstStyle/>
-          <a:p>
-            <a:r>
-              <a:rPr lang="en-US" smtClean="0"/>
-              <a:t>24.04.2014</a:t>
-            </a:r>
-            <a:endParaRPr lang="en-US" dirty="0"/>
-          </a:p>
-        </p:txBody>
-      </p:sp>
-      <p:sp>
-        <p:nvSpPr>
-          <p:cNvPr id="5" name="Footer Placeholder 4"/>
-          <p:cNvSpPr>
-            <a:spLocks noGrp="1"/>
-          </p:cNvSpPr>
-          <p:nvPr>
-            <p:ph type="ftr" sz="quarter" idx="11"/>
-          </p:nvPr>
-        </p:nvSpPr>
-        <p:spPr/>
-        <p:txBody>
-          <a:bodyPr/>
-          <a:lstStyle/>
-          <a:p>
-            <a:r>
-              <a:rPr lang="de-DE" smtClean="0"/>
-              <a:t>Zwischenpräsentation - Studiduell</a:t>
-            </a:r>
-            <a:endParaRPr lang="en-US" dirty="0"/>
-          </a:p>
-        </p:txBody>
-      </p:sp>
-      <p:sp>
-        <p:nvSpPr>
-          <p:cNvPr id="6" name="Slide Number Placeholder 5"/>
-          <p:cNvSpPr>
-            <a:spLocks noGrp="1"/>
-          </p:cNvSpPr>
-          <p:nvPr>
-            <p:ph type="sldNum" sz="quarter" idx="12"/>
-          </p:nvPr>
-        </p:nvSpPr>
-        <p:spPr/>
-        <p:txBody>
-          <a:bodyPr/>
-          <a:lstStyle/>
-          <a:p>
-            <a:fld id="{8700DC42-F920-4CC4-8FDD-7A5A47523AA1}" type="slidenum">
-              <a:rPr lang="en-US" smtClean="0"/>
-              <a:t>4</a:t>
-            </a:fld>
-            <a:endParaRPr lang="en-US" dirty="0"/>
-          </a:p>
-        </p:txBody>
-      </p:sp>
-    </p:spTree>
-    <p:extLst>
-      <p:ext uri="{BB962C8B-B14F-4D97-AF65-F5344CB8AC3E}">
-        <p14:creationId xmlns:p14="http://schemas.microsoft.com/office/powerpoint/2010/main" val="1678412394"/>
-      </p:ext>
-    </p:extLst>
-  </p:cSld>
-  <p:clrMapOvr>
-    <a:masterClrMapping/>
-  </p:clrMapOvr>
-  <p:timing>
-    <p:tnLst>
-      <p:par>
-        <p:cTn id="1" dur="indefinite" restart="never" nodeType="tmRoot"/>
-      </p:par>
-    </p:tnLst>
-  </p:timing>
-</p:sld>
-</file>
-
-<file path=ppt/slides/slide5.xml><?xml version="1.0" encoding="utf-8"?>
-<p:sld xmlns:a="http://schemas.openxmlformats.org/drawingml/2006/main" xmlns:r="http://schemas.openxmlformats.org/officeDocument/2006/relationships" xmlns:p="http://schemas.openxmlformats.org/presentationml/2006/main">
-  <p:cSld>
-    <p:spTree>
-      <p:nvGrpSpPr>
-        <p:cNvPr id="1" name=""/>
-        <p:cNvGrpSpPr/>
-        <p:nvPr/>
-      </p:nvGrpSpPr>
-      <p:grpSpPr>
-        <a:xfrm>
-          <a:off x="0" y="0"/>
-          <a:ext cx="0" cy="0"/>
-          <a:chOff x="0" y="0"/>
-          <a:chExt cx="0" cy="0"/>
-        </a:xfrm>
-      </p:grpSpPr>
-      <p:sp>
-        <p:nvSpPr>
-          <p:cNvPr id="2" name="Title 1"/>
-          <p:cNvSpPr>
-            <a:spLocks noGrp="1"/>
-          </p:cNvSpPr>
-          <p:nvPr>
-            <p:ph type="title"/>
-          </p:nvPr>
-        </p:nvSpPr>
-        <p:spPr/>
-        <p:txBody>
-          <a:bodyPr/>
-          <a:lstStyle/>
-          <a:p>
-            <a:r>
-              <a:rPr lang="de-DE" dirty="0" smtClean="0"/>
-              <a:t>Produktpräsentation - </a:t>
-            </a:r>
-            <a:r>
-              <a:rPr lang="de-DE" dirty="0" err="1" smtClean="0"/>
-              <a:t>Studiduell</a:t>
-            </a:r>
-            <a:endParaRPr lang="en-US" dirty="0"/>
-          </a:p>
-        </p:txBody>
-      </p:sp>
-      <p:sp>
-        <p:nvSpPr>
-          <p:cNvPr id="3" name="Content Placeholder 2"/>
-          <p:cNvSpPr>
-            <a:spLocks noGrp="1"/>
-          </p:cNvSpPr>
-          <p:nvPr>
-            <p:ph sz="quarter" idx="13"/>
-          </p:nvPr>
-        </p:nvSpPr>
-        <p:spPr/>
-        <p:txBody>
-          <a:bodyPr/>
-          <a:lstStyle/>
-          <a:p>
-            <a:r>
-              <a:rPr lang="de-DE" dirty="0" smtClean="0"/>
-              <a:t>Prototyp fertig</a:t>
-            </a:r>
-          </a:p>
-          <a:p>
-            <a:r>
-              <a:rPr lang="de-DE" dirty="0" smtClean="0"/>
-              <a:t>Hybride App für </a:t>
-            </a:r>
-            <a:r>
-              <a:rPr lang="de-DE" dirty="0" err="1" smtClean="0"/>
-              <a:t>iOs</a:t>
-            </a:r>
-            <a:r>
-              <a:rPr lang="de-DE" dirty="0" smtClean="0"/>
-              <a:t> und Android Geräte</a:t>
-            </a:r>
-          </a:p>
-          <a:p>
-            <a:r>
-              <a:rPr lang="de-DE" dirty="0" smtClean="0"/>
-              <a:t>Vorstellung verschiedener Business-Cases</a:t>
-            </a:r>
-          </a:p>
-          <a:p>
-            <a:pPr lvl="1"/>
-            <a:r>
-              <a:rPr lang="de-DE" dirty="0" smtClean="0"/>
-              <a:t>Spieler registrieren</a:t>
-            </a:r>
-          </a:p>
-          <a:p>
-            <a:pPr lvl="1"/>
-            <a:r>
-              <a:rPr lang="de-DE" dirty="0" smtClean="0"/>
-              <a:t>Spieler einloggen</a:t>
-            </a:r>
-          </a:p>
-          <a:p>
-            <a:pPr lvl="1"/>
-            <a:r>
-              <a:rPr lang="de-DE" dirty="0" smtClean="0"/>
-              <a:t>Spieler suchen</a:t>
-            </a:r>
-          </a:p>
-          <a:p>
-            <a:pPr lvl="1"/>
-            <a:r>
-              <a:rPr lang="de-DE" dirty="0" err="1" smtClean="0"/>
-              <a:t>Studiduell</a:t>
-            </a:r>
-            <a:r>
-              <a:rPr lang="de-DE" dirty="0" smtClean="0"/>
-              <a:t> Spiel spielen </a:t>
-            </a:r>
-          </a:p>
-          <a:p>
-            <a:pPr marL="457200" lvl="1" indent="0">
-              <a:buNone/>
-            </a:pPr>
-            <a:endParaRPr lang="en-US" dirty="0"/>
-          </a:p>
-        </p:txBody>
-      </p:sp>
-      <p:sp>
-        <p:nvSpPr>
-          <p:cNvPr id="4" name="Date Placeholder 3"/>
-          <p:cNvSpPr>
-            <a:spLocks noGrp="1"/>
-          </p:cNvSpPr>
-          <p:nvPr>
-            <p:ph type="dt" sz="half" idx="10"/>
-          </p:nvPr>
-        </p:nvSpPr>
-        <p:spPr/>
-        <p:txBody>
-          <a:bodyPr/>
-          <a:lstStyle/>
-          <a:p>
-            <a:r>
-              <a:rPr lang="en-US" smtClean="0"/>
-              <a:t>24.04.2014</a:t>
-            </a:r>
-            <a:endParaRPr lang="en-US"/>
-          </a:p>
-        </p:txBody>
-      </p:sp>
-      <p:sp>
-        <p:nvSpPr>
-          <p:cNvPr id="5" name="Footer Placeholder 4"/>
-          <p:cNvSpPr>
-            <a:spLocks noGrp="1"/>
-          </p:cNvSpPr>
-          <p:nvPr>
-            <p:ph type="ftr" sz="quarter" idx="11"/>
-          </p:nvPr>
-        </p:nvSpPr>
-        <p:spPr/>
-        <p:txBody>
-          <a:bodyPr/>
-          <a:lstStyle/>
-          <a:p>
-            <a:r>
-              <a:rPr lang="en-US" smtClean="0"/>
-              <a:t>Zwischenpräsentation - Studiduell</a:t>
-            </a:r>
-            <a:endParaRPr lang="en-US"/>
-          </a:p>
-        </p:txBody>
-      </p:sp>
-      <p:sp>
-        <p:nvSpPr>
-          <p:cNvPr id="6" name="Slide Number Placeholder 5"/>
-          <p:cNvSpPr>
-            <a:spLocks noGrp="1"/>
-          </p:cNvSpPr>
-          <p:nvPr>
-            <p:ph type="sldNum" sz="quarter" idx="12"/>
-          </p:nvPr>
-        </p:nvSpPr>
-        <p:spPr/>
-        <p:txBody>
-          <a:bodyPr/>
-          <a:lstStyle/>
-          <a:p>
-            <a:fld id="{8700DC42-F920-4CC4-8FDD-7A5A47523AA1}" type="slidenum">
-              <a:rPr lang="en-US" smtClean="0"/>
-              <a:t>5</a:t>
-            </a:fld>
-            <a:endParaRPr lang="en-US"/>
-          </a:p>
-        </p:txBody>
-      </p:sp>
-    </p:spTree>
-    <p:extLst>
-      <p:ext uri="{BB962C8B-B14F-4D97-AF65-F5344CB8AC3E}">
-        <p14:creationId xmlns:p14="http://schemas.microsoft.com/office/powerpoint/2010/main" val="3847081657"/>
-      </p:ext>
-    </p:extLst>
-  </p:cSld>
-  <p:clrMapOvr>
-    <a:masterClrMapping/>
-  </p:clrMapOvr>
-  <p:timing>
-    <p:tnLst>
-      <p:par>
-        <p:cTn id="1" dur="indefinite" restart="never" nodeType="tmRoot"/>
-      </p:par>
-    </p:tnLst>
-  </p:timing>
-</p:sld>
-</file>
-
-<file path=ppt/slides/slide6.xml><?xml version="1.0" encoding="utf-8"?>
-<p:sld xmlns:a="http://schemas.openxmlformats.org/drawingml/2006/main" xmlns:r="http://schemas.openxmlformats.org/officeDocument/2006/relationships" xmlns:p="http://schemas.openxmlformats.org/presentationml/2006/main">
-  <p:cSld>
-    <p:spTree>
-      <p:nvGrpSpPr>
-        <p:cNvPr id="1" name=""/>
-        <p:cNvGrpSpPr/>
-        <p:nvPr/>
-      </p:nvGrpSpPr>
-      <p:grpSpPr>
-        <a:xfrm>
-          <a:off x="0" y="0"/>
-          <a:ext cx="0" cy="0"/>
-          <a:chOff x="0" y="0"/>
-          <a:chExt cx="0" cy="0"/>
-        </a:xfrm>
-      </p:grpSpPr>
-      <p:sp>
-        <p:nvSpPr>
-          <p:cNvPr id="2" name="Title 1"/>
-          <p:cNvSpPr>
-            <a:spLocks noGrp="1"/>
-          </p:cNvSpPr>
-          <p:nvPr>
-            <p:ph type="ctrTitle"/>
-          </p:nvPr>
-        </p:nvSpPr>
-        <p:spPr/>
-        <p:txBody>
-          <a:bodyPr/>
-          <a:lstStyle/>
-          <a:p>
-            <a:r>
-              <a:rPr lang="de-DE" dirty="0" smtClean="0"/>
-              <a:t>Produktpräsentation– </a:t>
-            </a:r>
-            <a:r>
-              <a:rPr lang="de-DE" dirty="0" err="1" smtClean="0"/>
-              <a:t>Studiduell</a:t>
             </a:r>
             <a:endParaRPr lang="en-US" dirty="0"/>
           </a:p>
@@ -6180,6 +6283,419 @@
       </p:pic>
       <p:sp>
         <p:nvSpPr>
+          <p:cNvPr id="3" name="Date Placeholder 2"/>
+          <p:cNvSpPr>
+            <a:spLocks noGrp="1"/>
+          </p:cNvSpPr>
+          <p:nvPr>
+            <p:ph type="dt" sz="half" idx="10"/>
+          </p:nvPr>
+        </p:nvSpPr>
+        <p:spPr/>
+        <p:txBody>
+          <a:bodyPr/>
+          <a:lstStyle/>
+          <a:p>
+            <a:r>
+              <a:rPr lang="en-US" smtClean="0"/>
+              <a:t>24.04.2014</a:t>
+            </a:r>
+            <a:endParaRPr lang="en-US" dirty="0"/>
+          </a:p>
+        </p:txBody>
+      </p:sp>
+      <p:sp>
+        <p:nvSpPr>
+          <p:cNvPr id="5" name="Footer Placeholder 4"/>
+          <p:cNvSpPr>
+            <a:spLocks noGrp="1"/>
+          </p:cNvSpPr>
+          <p:nvPr>
+            <p:ph type="ftr" sz="quarter" idx="11"/>
+          </p:nvPr>
+        </p:nvSpPr>
+        <p:spPr/>
+        <p:txBody>
+          <a:bodyPr/>
+          <a:lstStyle/>
+          <a:p>
+            <a:r>
+              <a:rPr lang="de-DE" smtClean="0"/>
+              <a:t>Zwischenpräsentation - Studiduell</a:t>
+            </a:r>
+            <a:endParaRPr lang="en-US" dirty="0"/>
+          </a:p>
+        </p:txBody>
+      </p:sp>
+      <p:sp>
+        <p:nvSpPr>
+          <p:cNvPr id="6" name="Slide Number Placeholder 5"/>
+          <p:cNvSpPr>
+            <a:spLocks noGrp="1"/>
+          </p:cNvSpPr>
+          <p:nvPr>
+            <p:ph type="sldNum" sz="quarter" idx="12"/>
+          </p:nvPr>
+        </p:nvSpPr>
+        <p:spPr/>
+        <p:txBody>
+          <a:bodyPr/>
+          <a:lstStyle/>
+          <a:p>
+            <a:fld id="{8700DC42-F920-4CC4-8FDD-7A5A47523AA1}" type="slidenum">
+              <a:rPr lang="en-US" smtClean="0"/>
+              <a:t>4</a:t>
+            </a:fld>
+            <a:endParaRPr lang="en-US" dirty="0"/>
+          </a:p>
+        </p:txBody>
+      </p:sp>
+    </p:spTree>
+    <p:extLst>
+      <p:ext uri="{BB962C8B-B14F-4D97-AF65-F5344CB8AC3E}">
+        <p14:creationId xmlns:p14="http://schemas.microsoft.com/office/powerpoint/2010/main" val="1678412394"/>
+      </p:ext>
+    </p:extLst>
+  </p:cSld>
+  <p:clrMapOvr>
+    <a:masterClrMapping/>
+  </p:clrMapOvr>
+  <p:timing>
+    <p:tnLst>
+      <p:par>
+        <p:cTn id="1" dur="indefinite" restart="never" nodeType="tmRoot"/>
+      </p:par>
+    </p:tnLst>
+  </p:timing>
+</p:sld>
+</file>
+
+<file path=ppt/slides/slide5.xml><?xml version="1.0" encoding="utf-8"?>
+<p:sld xmlns:a="http://schemas.openxmlformats.org/drawingml/2006/main" xmlns:r="http://schemas.openxmlformats.org/officeDocument/2006/relationships" xmlns:p="http://schemas.openxmlformats.org/presentationml/2006/main">
+  <p:cSld>
+    <p:spTree>
+      <p:nvGrpSpPr>
+        <p:cNvPr id="1" name=""/>
+        <p:cNvGrpSpPr/>
+        <p:nvPr/>
+      </p:nvGrpSpPr>
+      <p:grpSpPr>
+        <a:xfrm>
+          <a:off x="0" y="0"/>
+          <a:ext cx="0" cy="0"/>
+          <a:chOff x="0" y="0"/>
+          <a:chExt cx="0" cy="0"/>
+        </a:xfrm>
+      </p:grpSpPr>
+      <p:sp>
+        <p:nvSpPr>
+          <p:cNvPr id="2" name="Title 1"/>
+          <p:cNvSpPr>
+            <a:spLocks noGrp="1"/>
+          </p:cNvSpPr>
+          <p:nvPr>
+            <p:ph type="title"/>
+          </p:nvPr>
+        </p:nvSpPr>
+        <p:spPr/>
+        <p:txBody>
+          <a:bodyPr/>
+          <a:lstStyle/>
+          <a:p>
+            <a:r>
+              <a:rPr lang="de-DE" dirty="0" smtClean="0"/>
+              <a:t>Produktpräsentation - </a:t>
+            </a:r>
+            <a:r>
+              <a:rPr lang="de-DE" dirty="0" err="1" smtClean="0"/>
+              <a:t>Studiduell</a:t>
+            </a:r>
+            <a:endParaRPr lang="en-US" dirty="0"/>
+          </a:p>
+        </p:txBody>
+      </p:sp>
+      <p:sp>
+        <p:nvSpPr>
+          <p:cNvPr id="3" name="Content Placeholder 2"/>
+          <p:cNvSpPr>
+            <a:spLocks noGrp="1"/>
+          </p:cNvSpPr>
+          <p:nvPr>
+            <p:ph sz="quarter" idx="13"/>
+          </p:nvPr>
+        </p:nvSpPr>
+        <p:spPr/>
+        <p:txBody>
+          <a:bodyPr/>
+          <a:lstStyle/>
+          <a:p>
+            <a:r>
+              <a:rPr lang="de-DE" dirty="0" smtClean="0"/>
+              <a:t>Prototyp fertig</a:t>
+            </a:r>
+          </a:p>
+          <a:p>
+            <a:r>
+              <a:rPr lang="de-DE" dirty="0" smtClean="0"/>
+              <a:t>Hybride App für </a:t>
+            </a:r>
+            <a:r>
+              <a:rPr lang="de-DE" dirty="0" err="1" smtClean="0"/>
+              <a:t>iOs</a:t>
+            </a:r>
+            <a:r>
+              <a:rPr lang="de-DE" dirty="0" smtClean="0"/>
+              <a:t> und Android Geräte</a:t>
+            </a:r>
+          </a:p>
+          <a:p>
+            <a:r>
+              <a:rPr lang="de-DE" dirty="0" smtClean="0"/>
+              <a:t>Vorstellung verschiedener Business-Cases</a:t>
+            </a:r>
+          </a:p>
+          <a:p>
+            <a:pPr lvl="1"/>
+            <a:r>
+              <a:rPr lang="de-DE" dirty="0" smtClean="0"/>
+              <a:t>Spieler registrieren</a:t>
+            </a:r>
+          </a:p>
+          <a:p>
+            <a:pPr lvl="1"/>
+            <a:r>
+              <a:rPr lang="de-DE" dirty="0" smtClean="0"/>
+              <a:t>Spieler </a:t>
+            </a:r>
+            <a:r>
+              <a:rPr lang="de-DE" dirty="0" smtClean="0"/>
+              <a:t>einloggen/ausloggen</a:t>
+            </a:r>
+            <a:endParaRPr lang="de-DE" dirty="0" smtClean="0"/>
+          </a:p>
+          <a:p>
+            <a:pPr lvl="1"/>
+            <a:r>
+              <a:rPr lang="de-DE" dirty="0" smtClean="0"/>
+              <a:t>Spieler </a:t>
+            </a:r>
+            <a:r>
+              <a:rPr lang="de-DE" dirty="0" smtClean="0"/>
+              <a:t>suchen</a:t>
+            </a:r>
+          </a:p>
+          <a:p>
+            <a:pPr lvl="1"/>
+            <a:r>
+              <a:rPr lang="de-DE" dirty="0" smtClean="0"/>
+              <a:t>Mit Spieler befreunden</a:t>
+            </a:r>
+            <a:endParaRPr lang="de-DE" dirty="0" smtClean="0"/>
+          </a:p>
+          <a:p>
+            <a:pPr lvl="1"/>
+            <a:r>
+              <a:rPr lang="de-DE" dirty="0" smtClean="0"/>
+              <a:t>Spiel </a:t>
+            </a:r>
+            <a:r>
+              <a:rPr lang="de-DE" dirty="0" smtClean="0"/>
+              <a:t>spielen </a:t>
+            </a:r>
+            <a:endParaRPr lang="de-DE" dirty="0" smtClean="0"/>
+          </a:p>
+          <a:p>
+            <a:pPr lvl="1"/>
+            <a:r>
+              <a:rPr lang="de-DE" dirty="0" smtClean="0"/>
+              <a:t>Spiel aufgeben</a:t>
+            </a:r>
+            <a:endParaRPr lang="de-DE" dirty="0" smtClean="0"/>
+          </a:p>
+          <a:p>
+            <a:pPr marL="457200" lvl="1" indent="0">
+              <a:buNone/>
+            </a:pPr>
+            <a:endParaRPr lang="en-US" dirty="0"/>
+          </a:p>
+        </p:txBody>
+      </p:sp>
+      <p:sp>
+        <p:nvSpPr>
+          <p:cNvPr id="4" name="Date Placeholder 3"/>
+          <p:cNvSpPr>
+            <a:spLocks noGrp="1"/>
+          </p:cNvSpPr>
+          <p:nvPr>
+            <p:ph type="dt" sz="half" idx="10"/>
+          </p:nvPr>
+        </p:nvSpPr>
+        <p:spPr/>
+        <p:txBody>
+          <a:bodyPr/>
+          <a:lstStyle/>
+          <a:p>
+            <a:r>
+              <a:rPr lang="en-US" smtClean="0"/>
+              <a:t>24.04.2014</a:t>
+            </a:r>
+            <a:endParaRPr lang="en-US"/>
+          </a:p>
+        </p:txBody>
+      </p:sp>
+      <p:sp>
+        <p:nvSpPr>
+          <p:cNvPr id="5" name="Footer Placeholder 4"/>
+          <p:cNvSpPr>
+            <a:spLocks noGrp="1"/>
+          </p:cNvSpPr>
+          <p:nvPr>
+            <p:ph type="ftr" sz="quarter" idx="11"/>
+          </p:nvPr>
+        </p:nvSpPr>
+        <p:spPr/>
+        <p:txBody>
+          <a:bodyPr/>
+          <a:lstStyle/>
+          <a:p>
+            <a:r>
+              <a:rPr lang="en-US" smtClean="0"/>
+              <a:t>Zwischenpräsentation - Studiduell</a:t>
+            </a:r>
+            <a:endParaRPr lang="en-US"/>
+          </a:p>
+        </p:txBody>
+      </p:sp>
+      <p:sp>
+        <p:nvSpPr>
+          <p:cNvPr id="6" name="Slide Number Placeholder 5"/>
+          <p:cNvSpPr>
+            <a:spLocks noGrp="1"/>
+          </p:cNvSpPr>
+          <p:nvPr>
+            <p:ph type="sldNum" sz="quarter" idx="12"/>
+          </p:nvPr>
+        </p:nvSpPr>
+        <p:spPr/>
+        <p:txBody>
+          <a:bodyPr/>
+          <a:lstStyle/>
+          <a:p>
+            <a:fld id="{8700DC42-F920-4CC4-8FDD-7A5A47523AA1}" type="slidenum">
+              <a:rPr lang="en-US" smtClean="0"/>
+              <a:t>5</a:t>
+            </a:fld>
+            <a:endParaRPr lang="en-US"/>
+          </a:p>
+        </p:txBody>
+      </p:sp>
+    </p:spTree>
+    <p:extLst>
+      <p:ext uri="{BB962C8B-B14F-4D97-AF65-F5344CB8AC3E}">
+        <p14:creationId xmlns:p14="http://schemas.microsoft.com/office/powerpoint/2010/main" val="3847081657"/>
+      </p:ext>
+    </p:extLst>
+  </p:cSld>
+  <p:clrMapOvr>
+    <a:masterClrMapping/>
+  </p:clrMapOvr>
+  <p:timing>
+    <p:tnLst>
+      <p:par>
+        <p:cTn id="1" dur="indefinite" restart="never" nodeType="tmRoot"/>
+      </p:par>
+    </p:tnLst>
+  </p:timing>
+</p:sld>
+</file>
+
+<file path=ppt/slides/slide6.xml><?xml version="1.0" encoding="utf-8"?>
+<p:sld xmlns:a="http://schemas.openxmlformats.org/drawingml/2006/main" xmlns:r="http://schemas.openxmlformats.org/officeDocument/2006/relationships" xmlns:p="http://schemas.openxmlformats.org/presentationml/2006/main">
+  <p:cSld>
+    <p:spTree>
+      <p:nvGrpSpPr>
+        <p:cNvPr id="1" name=""/>
+        <p:cNvGrpSpPr/>
+        <p:nvPr/>
+      </p:nvGrpSpPr>
+      <p:grpSpPr>
+        <a:xfrm>
+          <a:off x="0" y="0"/>
+          <a:ext cx="0" cy="0"/>
+          <a:chOff x="0" y="0"/>
+          <a:chExt cx="0" cy="0"/>
+        </a:xfrm>
+      </p:grpSpPr>
+      <p:sp>
+        <p:nvSpPr>
+          <p:cNvPr id="2" name="Title 1"/>
+          <p:cNvSpPr>
+            <a:spLocks noGrp="1"/>
+          </p:cNvSpPr>
+          <p:nvPr>
+            <p:ph type="ctrTitle"/>
+          </p:nvPr>
+        </p:nvSpPr>
+        <p:spPr/>
+        <p:txBody>
+          <a:bodyPr/>
+          <a:lstStyle/>
+          <a:p>
+            <a:r>
+              <a:rPr lang="de-DE" dirty="0" smtClean="0"/>
+              <a:t>Produktpräsentation– </a:t>
+            </a:r>
+            <a:r>
+              <a:rPr lang="de-DE" dirty="0" err="1" smtClean="0"/>
+              <a:t>Studiduell</a:t>
+            </a:r>
+            <a:endParaRPr lang="en-US" dirty="0"/>
+          </a:p>
+        </p:txBody>
+      </p:sp>
+      <p:pic>
+        <p:nvPicPr>
+          <p:cNvPr id="4" name="Picture 2" descr="C:\Users\philipp.friese\Documents\GitHub\WI-Quiz\Studiduell_Prototyp\www\images\Logo_App.png"/>
+          <p:cNvPicPr>
+            <a:picLocks noChangeAspect="1" noChangeArrowheads="1"/>
+          </p:cNvPicPr>
+          <p:nvPr/>
+        </p:nvPicPr>
+        <p:blipFill>
+          <a:blip r:embed="rId3" cstate="print">
+            <a:extLst>
+              <a:ext uri="{28A0092B-C50C-407E-A947-70E740481C1C}">
+                <a14:useLocalDpi xmlns:a14="http://schemas.microsoft.com/office/drawing/2010/main" val="0"/>
+              </a:ext>
+            </a:extLst>
+          </a:blip>
+          <a:srcRect/>
+          <a:stretch>
+            <a:fillRect/>
+          </a:stretch>
+        </p:blipFill>
+        <p:spPr bwMode="auto">
+          <a:xfrm>
+            <a:off x="3527884" y="495585"/>
+            <a:ext cx="2088232" cy="1853295"/>
+          </a:xfrm>
+          <a:prstGeom prst="rect">
+            <a:avLst/>
+          </a:prstGeom>
+          <a:noFill/>
+          <a:extLst>
+            <a:ext uri="{909E8E84-426E-40DD-AFC4-6F175D3DCCD1}">
+              <a14:hiddenFill xmlns:a14="http://schemas.microsoft.com/office/drawing/2010/main">
+                <a:solidFill>
+                  <a:srgbClr val="FFFFFF"/>
+                </a:solidFill>
+              </a14:hiddenFill>
+            </a:ext>
+          </a:extLst>
+        </p:spPr>
+      </p:pic>
+      <p:sp>
+        <p:nvSpPr>
           <p:cNvPr id="6" name="Date Placeholder 5"/>
           <p:cNvSpPr>
             <a:spLocks noGrp="1"/>
@@ -6424,7 +6940,7 @@
         </p:spPr>
         <p:txBody>
           <a:bodyPr vert="horz" lIns="91440" tIns="45720" rIns="91440" bIns="45720" rtlCol="0">
-            <a:normAutofit/>
+            <a:normAutofit lnSpcReduction="10000"/>
           </a:bodyPr>
           <a:lstStyle>
             <a:lvl1pPr marL="342900" indent="-342900" algn="l" defTabSz="914400" rtl="0" eaLnBrk="1" latinLnBrk="0" hangingPunct="1">
@@ -6693,8 +7209,13 @@
             </a:r>
             <a:r>
               <a:rPr lang="de-DE" dirty="0" smtClean="0"/>
-              <a:t>: Vergleich mehrerer Kriterien, Erstellung einer Präsentation über die Technologien, Einarbeitung in beider Technologien</a:t>
-            </a:r>
+              <a:t>: Vergleich mehrerer Kriterien, Erstellung einer Präsentation über die Technologien, Einarbeitung in </a:t>
+            </a:r>
+            <a:r>
+              <a:rPr lang="de-DE" dirty="0" smtClean="0"/>
+              <a:t>beide Technologien, Prototyp in Technologie mit vielversprechendster Zielgruppenabdeckung</a:t>
+            </a:r>
+            <a:endParaRPr lang="de-DE" dirty="0" smtClean="0"/>
           </a:p>
           <a:p>
             <a:r>
@@ -6709,6 +7230,14 @@
               <a:rPr lang="de-DE" dirty="0"/>
               <a:t>: </a:t>
             </a:r>
+            <a:r>
+              <a:rPr lang="de-DE" dirty="0" smtClean="0"/>
+              <a:t>Initiales </a:t>
+            </a:r>
+            <a:r>
+              <a:rPr lang="de-DE" dirty="0" smtClean="0"/>
+              <a:t>Aufstellen einer Verbindung mittels „Spring Security“ zwischen App und Server</a:t>
+            </a:r>
             <a:endParaRPr lang="de-DE" dirty="0" smtClean="0"/>
           </a:p>
           <a:p>
@@ -6722,8 +7251,9 @@
             </a:r>
             <a:r>
               <a:rPr lang="de-DE" dirty="0" smtClean="0"/>
-              <a:t>:</a:t>
-            </a:r>
+              <a:t>: Einarbeitung in die CORS-Technologie </a:t>
+            </a:r>
+            <a:endParaRPr lang="de-DE" dirty="0" smtClean="0"/>
           </a:p>
           <a:p>
             <a:r>
@@ -6738,6 +7268,10 @@
               <a:rPr lang="de-DE" dirty="0"/>
               <a:t>: </a:t>
             </a:r>
+            <a:r>
+              <a:rPr lang="de-DE" dirty="0" smtClean="0"/>
+              <a:t>Schnelles Erstellen einer professionellen und wartbaren Website</a:t>
+            </a:r>
             <a:endParaRPr lang="de-DE" dirty="0" smtClean="0"/>
           </a:p>
           <a:p>
@@ -6751,8 +7285,58 @@
             </a:r>
             <a:r>
               <a:rPr lang="de-DE" dirty="0" smtClean="0"/>
-              <a:t>:</a:t>
-            </a:r>
+              <a:t>: Verwendung des </a:t>
+            </a:r>
+            <a:r>
+              <a:rPr lang="de-DE" dirty="0" err="1" smtClean="0"/>
+              <a:t>Jimdo</a:t>
+            </a:r>
+            <a:r>
+              <a:rPr lang="de-DE" dirty="0" smtClean="0"/>
+              <a:t>-“Webseitenbaukastens“ mit eigener Domain</a:t>
+            </a:r>
+          </a:p>
+          <a:p>
+            <a:r>
+              <a:rPr lang="de-DE" dirty="0">
+                <a:solidFill>
+                  <a:srgbClr val="FF0000"/>
+                </a:solidFill>
+              </a:rPr>
+              <a:t>Problem</a:t>
+            </a:r>
+            <a:r>
+              <a:rPr lang="de-DE" dirty="0"/>
+              <a:t>: </a:t>
+            </a:r>
+            <a:r>
+              <a:rPr lang="de-DE" dirty="0" smtClean="0"/>
+              <a:t>Verlust des Überblicks über die bestehenden Fehler im Programmcode</a:t>
+            </a:r>
+            <a:endParaRPr lang="de-DE" dirty="0"/>
+          </a:p>
+          <a:p>
+            <a:r>
+              <a:rPr lang="de-DE" dirty="0">
+                <a:solidFill>
+                  <a:srgbClr val="00B050"/>
+                </a:solidFill>
+              </a:rPr>
+              <a:t>Lösung</a:t>
+            </a:r>
+            <a:r>
+              <a:rPr lang="de-DE" dirty="0" smtClean="0"/>
+              <a:t>: Verwendung von „</a:t>
+            </a:r>
+            <a:r>
+              <a:rPr lang="de-DE" dirty="0" err="1" smtClean="0"/>
+              <a:t>GitHub-Issues</a:t>
+            </a:r>
+            <a:r>
+              <a:rPr lang="de-DE" dirty="0" smtClean="0"/>
+              <a:t>“ zum Verfolgen der Fehler.</a:t>
+            </a:r>
+            <a:endParaRPr lang="de-DE" dirty="0" smtClean="0"/>
           </a:p>
           <a:p>
             <a:endParaRPr lang="en-US" dirty="0"/>
@@ -6772,7 +7356,350 @@
   <p:timing>
     <p:tnLst>
       <p:par>
-        <p:cTn id="1" dur="indefinite" restart="never" nodeType="tmRoot"/>
+        <p:cTn id="1" dur="indefinite" restart="never" nodeType="tmRoot">
+          <p:childTnLst>
+            <p:seq concurrent="1" nextAc="seek">
+              <p:cTn id="2" dur="indefinite" nodeType="mainSeq">
+                <p:childTnLst>
+                  <p:par>
+                    <p:cTn id="3" fill="hold">
+                      <p:stCondLst>
+                        <p:cond delay="indefinite"/>
+                      </p:stCondLst>
+                      <p:childTnLst>
+                        <p:par>
+                          <p:cTn id="4" fill="hold">
+                            <p:stCondLst>
+                              <p:cond delay="0"/>
+                            </p:stCondLst>
+                            <p:childTnLst>
+                              <p:par>
+                                <p:cTn id="5" presetID="1" presetClass="entr" presetSubtype="0" fill="hold" nodeType="clickEffect">
+                                  <p:stCondLst>
+                                    <p:cond delay="0"/>
+                                  </p:stCondLst>
+                                  <p:childTnLst>
+                                    <p:set>
+                                      <p:cBhvr>
+                                        <p:cTn id="6" dur="1" fill="hold">
+                                          <p:stCondLst>
+                                            <p:cond delay="0"/>
+                                          </p:stCondLst>
+                                        </p:cTn>
+                                        <p:tgtEl>
+                                          <p:spTgt spid="7">
+                                            <p:txEl>
+                                              <p:pRg st="0" end="0"/>
+                                            </p:txEl>
+                                          </p:spTgt>
+                                        </p:tgtEl>
+                                        <p:attrNameLst>
+                                          <p:attrName>style.visibility</p:attrName>
+                                        </p:attrNameLst>
+                                      </p:cBhvr>
+                                      <p:to>
+                                        <p:strVal val="visible"/>
+                                      </p:to>
+                                    </p:set>
+                                  </p:childTnLst>
+                                </p:cTn>
+                              </p:par>
+                              <p:par>
+                                <p:cTn id="7" presetID="1" presetClass="entr" presetSubtype="0" fill="hold" nodeType="withEffect">
+                                  <p:stCondLst>
+                                    <p:cond delay="0"/>
+                                  </p:stCondLst>
+                                  <p:childTnLst>
+                                    <p:set>
+                                      <p:cBhvr>
+                                        <p:cTn id="8" dur="1" fill="hold">
+                                          <p:stCondLst>
+                                            <p:cond delay="0"/>
+                                          </p:stCondLst>
+                                        </p:cTn>
+                                        <p:tgtEl>
+                                          <p:spTgt spid="7">
+                                            <p:txEl>
+                                              <p:pRg st="1" end="1"/>
+                                            </p:txEl>
+                                          </p:spTgt>
+                                        </p:tgtEl>
+                                        <p:attrNameLst>
+                                          <p:attrName>style.visibility</p:attrName>
+                                        </p:attrNameLst>
+                                      </p:cBhvr>
+                                      <p:to>
+                                        <p:strVal val="visible"/>
+                                      </p:to>
+                                    </p:set>
+                                  </p:childTnLst>
+                                </p:cTn>
+                              </p:par>
+                            </p:childTnLst>
+                          </p:cTn>
+                        </p:par>
+                      </p:childTnLst>
+                    </p:cTn>
+                  </p:par>
+                  <p:par>
+                    <p:cTn id="9" fill="hold">
+                      <p:stCondLst>
+                        <p:cond delay="indefinite"/>
+                      </p:stCondLst>
+                      <p:childTnLst>
+                        <p:par>
+                          <p:cTn id="10" fill="hold">
+                            <p:stCondLst>
+                              <p:cond delay="0"/>
+                            </p:stCondLst>
+                            <p:childTnLst>
+                              <p:par>
+                                <p:cTn id="11" presetID="1" presetClass="entr" presetSubtype="0" fill="hold" nodeType="clickEffect">
+                                  <p:stCondLst>
+                                    <p:cond delay="0"/>
+                                  </p:stCondLst>
+                                  <p:childTnLst>
+                                    <p:set>
+                                      <p:cBhvr>
+                                        <p:cTn id="12" dur="1" fill="hold">
+                                          <p:stCondLst>
+                                            <p:cond delay="0"/>
+                                          </p:stCondLst>
+                                        </p:cTn>
+                                        <p:tgtEl>
+                                          <p:spTgt spid="7">
+                                            <p:txEl>
+                                              <p:pRg st="2" end="2"/>
+                                            </p:txEl>
+                                          </p:spTgt>
+                                        </p:tgtEl>
+                                        <p:attrNameLst>
+                                          <p:attrName>style.visibility</p:attrName>
+                                        </p:attrNameLst>
+                                      </p:cBhvr>
+                                      <p:to>
+                                        <p:strVal val="visible"/>
+                                      </p:to>
+                                    </p:set>
+                                  </p:childTnLst>
+                                </p:cTn>
+                              </p:par>
+                              <p:par>
+                                <p:cTn id="13" presetID="1" presetClass="entr" presetSubtype="0" fill="hold" nodeType="withEffect">
+                                  <p:stCondLst>
+                                    <p:cond delay="0"/>
+                                  </p:stCondLst>
+                                  <p:childTnLst>
+                                    <p:set>
+                                      <p:cBhvr>
+                                        <p:cTn id="14" dur="1" fill="hold">
+                                          <p:stCondLst>
+                                            <p:cond delay="0"/>
+                                          </p:stCondLst>
+                                        </p:cTn>
+                                        <p:tgtEl>
+                                          <p:spTgt spid="7">
+                                            <p:txEl>
+                                              <p:pRg st="3" end="3"/>
+                                            </p:txEl>
+                                          </p:spTgt>
+                                        </p:tgtEl>
+                                        <p:attrNameLst>
+                                          <p:attrName>style.visibility</p:attrName>
+                                        </p:attrNameLst>
+                                      </p:cBhvr>
+                                      <p:to>
+                                        <p:strVal val="visible"/>
+                                      </p:to>
+                                    </p:set>
+                                  </p:childTnLst>
+                                </p:cTn>
+                              </p:par>
+                            </p:childTnLst>
+                          </p:cTn>
+                        </p:par>
+                      </p:childTnLst>
+                    </p:cTn>
+                  </p:par>
+                  <p:par>
+                    <p:cTn id="15" fill="hold">
+                      <p:stCondLst>
+                        <p:cond delay="indefinite"/>
+                      </p:stCondLst>
+                      <p:childTnLst>
+                        <p:par>
+                          <p:cTn id="16" fill="hold">
+                            <p:stCondLst>
+                              <p:cond delay="0"/>
+                            </p:stCondLst>
+                            <p:childTnLst>
+                              <p:par>
+                                <p:cTn id="17" presetID="1" presetClass="entr" presetSubtype="0" fill="hold" nodeType="clickEffect">
+                                  <p:stCondLst>
+                                    <p:cond delay="0"/>
+                                  </p:stCondLst>
+                                  <p:childTnLst>
+                                    <p:set>
+                                      <p:cBhvr>
+                                        <p:cTn id="18" dur="1" fill="hold">
+                                          <p:stCondLst>
+                                            <p:cond delay="0"/>
+                                          </p:stCondLst>
+                                        </p:cTn>
+                                        <p:tgtEl>
+                                          <p:spTgt spid="7">
+                                            <p:txEl>
+                                              <p:pRg st="4" end="4"/>
+                                            </p:txEl>
+                                          </p:spTgt>
+                                        </p:tgtEl>
+                                        <p:attrNameLst>
+                                          <p:attrName>style.visibility</p:attrName>
+                                        </p:attrNameLst>
+                                      </p:cBhvr>
+                                      <p:to>
+                                        <p:strVal val="visible"/>
+                                      </p:to>
+                                    </p:set>
+                                  </p:childTnLst>
+                                </p:cTn>
+                              </p:par>
+                              <p:par>
+                                <p:cTn id="19" presetID="1" presetClass="entr" presetSubtype="0" fill="hold" nodeType="withEffect">
+                                  <p:stCondLst>
+                                    <p:cond delay="0"/>
+                                  </p:stCondLst>
+                                  <p:childTnLst>
+                                    <p:set>
+                                      <p:cBhvr>
+                                        <p:cTn id="20" dur="1" fill="hold">
+                                          <p:stCondLst>
+                                            <p:cond delay="0"/>
+                                          </p:stCondLst>
+                                        </p:cTn>
+                                        <p:tgtEl>
+                                          <p:spTgt spid="7">
+                                            <p:txEl>
+                                              <p:pRg st="5" end="5"/>
+                                            </p:txEl>
+                                          </p:spTgt>
+                                        </p:tgtEl>
+                                        <p:attrNameLst>
+                                          <p:attrName>style.visibility</p:attrName>
+                                        </p:attrNameLst>
+                                      </p:cBhvr>
+                                      <p:to>
+                                        <p:strVal val="visible"/>
+                                      </p:to>
+                                    </p:set>
+                                  </p:childTnLst>
+                                </p:cTn>
+                              </p:par>
+                            </p:childTnLst>
+                          </p:cTn>
+                        </p:par>
+                      </p:childTnLst>
+                    </p:cTn>
+                  </p:par>
+                  <p:par>
+                    <p:cTn id="21" fill="hold">
+                      <p:stCondLst>
+                        <p:cond delay="indefinite"/>
+                      </p:stCondLst>
+                      <p:childTnLst>
+                        <p:par>
+                          <p:cTn id="22" fill="hold">
+                            <p:stCondLst>
+                              <p:cond delay="0"/>
+                            </p:stCondLst>
+                            <p:childTnLst>
+                              <p:par>
+                                <p:cTn id="23" presetID="1" presetClass="entr" presetSubtype="0" fill="hold" nodeType="clickEffect">
+                                  <p:stCondLst>
+                                    <p:cond delay="0"/>
+                                  </p:stCondLst>
+                                  <p:childTnLst>
+                                    <p:set>
+                                      <p:cBhvr>
+                                        <p:cTn id="24" dur="1" fill="hold">
+                                          <p:stCondLst>
+                                            <p:cond delay="0"/>
+                                          </p:stCondLst>
+                                        </p:cTn>
+                                        <p:tgtEl>
+                                          <p:spTgt spid="7">
+                                            <p:txEl>
+                                              <p:pRg st="6" end="6"/>
+                                            </p:txEl>
+                                          </p:spTgt>
+                                        </p:tgtEl>
+                                        <p:attrNameLst>
+                                          <p:attrName>style.visibility</p:attrName>
+                                        </p:attrNameLst>
+                                      </p:cBhvr>
+                                      <p:to>
+                                        <p:strVal val="visible"/>
+                                      </p:to>
+                                    </p:set>
+                                  </p:childTnLst>
+                                </p:cTn>
+                              </p:par>
+                              <p:par>
+                                <p:cTn id="25" presetID="1" presetClass="entr" presetSubtype="0" fill="hold" nodeType="withEffect">
+                                  <p:stCondLst>
+                                    <p:cond delay="0"/>
+                                  </p:stCondLst>
+                                  <p:childTnLst>
+                                    <p:set>
+                                      <p:cBhvr>
+                                        <p:cTn id="26" dur="1" fill="hold">
+                                          <p:stCondLst>
+                                            <p:cond delay="0"/>
+                                          </p:stCondLst>
+                                        </p:cTn>
+                                        <p:tgtEl>
+                                          <p:spTgt spid="7">
+                                            <p:txEl>
+                                              <p:pRg st="7" end="7"/>
+                                            </p:txEl>
+                                          </p:spTgt>
+                                        </p:tgtEl>
+                                        <p:attrNameLst>
+                                          <p:attrName>style.visibility</p:attrName>
+                                        </p:attrNameLst>
+                                      </p:cBhvr>
+                                      <p:to>
+                                        <p:strVal val="visible"/>
+                                      </p:to>
+                                    </p:set>
+                                  </p:childTnLst>
+                                </p:cTn>
+                              </p:par>
+                            </p:childTnLst>
+                          </p:cTn>
+                        </p:par>
+                      </p:childTnLst>
+                    </p:cTn>
+                  </p:par>
+                </p:childTnLst>
+              </p:cTn>
+              <p:prevCondLst>
+                <p:cond evt="onPrev" delay="0">
+                  <p:tgtEl>
+                    <p:sldTgt/>
+                  </p:tgtEl>
+                </p:cond>
+              </p:prevCondLst>
+              <p:nextCondLst>
+                <p:cond evt="onNext" delay="0">
+                  <p:tgtEl>
+                    <p:sldTgt/>
+                  </p:tgtEl>
+                </p:cond>
+              </p:nextCondLst>
+            </p:seq>
+          </p:childTnLst>
+        </p:cTn>
       </p:par>
     </p:tnLst>
   </p:timing>
@@ -6892,11 +7819,7 @@
             <a:pPr lvl="1"/>
             <a:r>
               <a:rPr lang="de-DE" dirty="0" smtClean="0"/>
-              <a:t>CSV-Import </a:t>
-            </a:r>
-            <a:r>
-              <a:rPr lang="de-DE" dirty="0" smtClean="0"/>
-              <a:t>(</a:t>
+              <a:t>CSV-Import (</a:t>
             </a:r>
             <a:r>
               <a:rPr lang="de-DE" dirty="0" err="1" smtClean="0"/>
@@ -6911,11 +7834,7 @@
             <a:pPr lvl="1"/>
             <a:r>
               <a:rPr lang="de-DE" dirty="0" smtClean="0"/>
-              <a:t>Push-Benachrichtigung des Gegners nach </a:t>
-            </a:r>
-            <a:r>
-              <a:rPr lang="de-DE" dirty="0" smtClean="0"/>
-              <a:t>Spielende (Android, </a:t>
+              <a:t>Push-Benachrichtigung des Gegners nach Spielende (Android, </a:t>
             </a:r>
             <a:r>
               <a:rPr lang="de-DE" dirty="0" err="1" smtClean="0"/>
@@ -6925,17 +7844,12 @@
               <a:rPr lang="de-DE" dirty="0" smtClean="0"/>
               <a:t>)</a:t>
             </a:r>
-            <a:endParaRPr lang="de-DE" dirty="0" smtClean="0"/>
           </a:p>
           <a:p>
             <a:pPr lvl="1"/>
             <a:r>
               <a:rPr lang="de-DE" dirty="0" smtClean="0"/>
-              <a:t>Anzeige der Fragen &amp; Ergebnisse bei Klick auf </a:t>
-            </a:r>
-            <a:r>
-              <a:rPr lang="de-DE" dirty="0" smtClean="0"/>
-              <a:t>Rundenübersicht-Viereck</a:t>
+              <a:t>Anzeige der Fragen &amp; Ergebnisse bei Klick auf Rundenübersicht-Viereck</a:t>
             </a:r>
           </a:p>
           <a:p>
@@ -6952,7 +7866,6 @@
               <a:rPr lang="de-DE" dirty="0" smtClean="0"/>
               <a:t>“-Funktion</a:t>
             </a:r>
-            <a:endParaRPr lang="de-DE" dirty="0" smtClean="0"/>
           </a:p>
           <a:p>
             <a:pPr marL="457200" lvl="1" indent="0">
@@ -6985,15 +7898,7 @@
           <a:p>
             <a:r>
               <a:rPr lang="de-DE" dirty="0" smtClean="0"/>
-              <a:t>Erstellung von </a:t>
-            </a:r>
-            <a:r>
-              <a:rPr lang="de-DE" dirty="0" smtClean="0"/>
-              <a:t>Marketingmaßnahmen, </a:t>
-            </a:r>
-            <a:r>
-              <a:rPr lang="de-DE" dirty="0" smtClean="0"/>
-              <a:t>um die Bekanntheit von </a:t>
+              <a:t>Erstellung von Marketingmaßnahmen, um die Bekanntheit von </a:t>
             </a:r>
             <a:r>
               <a:rPr lang="de-DE" dirty="0" err="1" smtClean="0"/>
@@ -7008,13 +7913,8 @@
           <a:p>
             <a:r>
               <a:rPr lang="de-DE" dirty="0" smtClean="0"/>
-              <a:t>Go-Live der App im Apple App-Store &amp; Google </a:t>
-            </a:r>
-            <a:r>
-              <a:rPr lang="de-DE" dirty="0" smtClean="0"/>
-              <a:t>Play Store</a:t>
-            </a:r>
-            <a:endParaRPr lang="de-DE" dirty="0" smtClean="0"/>
+              <a:t>Go-Live der App im Apple App-Store &amp; Google Play Store</a:t>
+            </a:r>
           </a:p>
           <a:p>
             <a:pPr marL="0" indent="0">
@@ -7116,7 +8016,11 @@
           <a:p>
             <a:r>
               <a:rPr lang="de-DE" dirty="0" smtClean="0"/>
-              <a:t>01.09.2014</a:t>
+              <a:t>30</a:t>
+            </a:r>
+            <a:r>
+              <a:rPr lang="de-DE" dirty="0" smtClean="0"/>
+              <a:t>.09.2014</a:t>
             </a:r>
             <a:endParaRPr lang="en-US" dirty="0"/>
           </a:p>
@@ -7304,14 +8208,14 @@
           <p:nvPr>
             <p:extLst>
               <p:ext uri="{D42A27DB-BD31-4B8C-83A1-F6EECF244321}">
-                <p14:modId xmlns:p14="http://schemas.microsoft.com/office/powerpoint/2010/main" val="3646263045"/>
+                <p14:modId xmlns:p14="http://schemas.microsoft.com/office/powerpoint/2010/main" val="4140742488"/>
               </p:ext>
             </p:extLst>
           </p:nvPr>
         </p:nvGraphicFramePr>
         <p:xfrm>
           <a:off x="683568" y="1772816"/>
-          <a:ext cx="7848872" cy="4124960"/>
+          <a:ext cx="7848872" cy="4668520"/>
         </p:xfrm>
         <a:graphic>
           <a:graphicData uri="http://schemas.openxmlformats.org/drawingml/2006/table">
@@ -7353,7 +8257,11 @@
                       </a:r>
                       <a:r>
                         <a:rPr lang="de-DE" baseline="0" dirty="0" smtClean="0"/>
-                        <a:t> – Aufpassen für Zukunft</a:t>
+                        <a:t> – Aufpassen </a:t>
+                      </a:r>
+                      <a:r>
+                        <a:rPr lang="de-DE" baseline="0" dirty="0" smtClean="0"/>
+                        <a:t>in der Zukunft</a:t>
                       </a:r>
                       <a:endParaRPr lang="en-US" dirty="0"/>
                     </a:p>
@@ -7369,11 +8277,7 @@
                     <a:p>
                       <a:r>
                         <a:rPr lang="de-DE" dirty="0" smtClean="0"/>
-                        <a:t>Versionsverwaltung des Quellcodes </a:t>
-                      </a:r>
-                      <a:r>
-                        <a:rPr lang="de-DE" dirty="0" smtClean="0"/>
-                        <a:t>-&gt; </a:t>
+                        <a:t>Versionsverwaltung des Quellcodes -&gt; </a:t>
                       </a:r>
                       <a:r>
                         <a:rPr lang="de-DE" dirty="0" err="1" smtClean="0"/>
@@ -7415,23 +8319,7 @@
                       </a:r>
                       <a:r>
                         <a:rPr lang="de-DE" dirty="0" smtClean="0"/>
-                        <a:t>“ weiß jeder, </a:t>
-                      </a:r>
-                      <a:r>
-                        <a:rPr lang="de-DE" dirty="0" smtClean="0"/>
-                        <a:t>an was </a:t>
-                      </a:r>
-                      <a:r>
-                        <a:rPr lang="de-DE" dirty="0" smtClean="0"/>
-                        <a:t>der andere jeweils </a:t>
-                      </a:r>
-                      <a:r>
-                        <a:rPr lang="de-DE" dirty="0" smtClean="0"/>
-                        <a:t>gearbeitet </a:t>
-                      </a:r>
-                      <a:r>
-                        <a:rPr lang="de-DE" dirty="0" smtClean="0"/>
-                        <a:t>hat</a:t>
+                        <a:t>“ weiß jeder, an was der andere jeweils gearbeitet hat</a:t>
                       </a:r>
                     </a:p>
                   </a:txBody>
@@ -7487,11 +8375,7 @@
                       </a:pPr>
                       <a:r>
                         <a:rPr lang="de-DE" dirty="0" smtClean="0"/>
-                        <a:t>Screen Design </a:t>
-                      </a:r>
-                      <a:r>
-                        <a:rPr lang="de-DE" dirty="0" smtClean="0"/>
-                        <a:t>-&gt; </a:t>
+                        <a:t>Screen Design -&gt; </a:t>
                       </a:r>
                       <a:r>
                         <a:rPr lang="de-DE" dirty="0" err="1" smtClean="0"/>
@@ -7519,6 +8403,42 @@
                     <a:bodyPr/>
                     <a:lstStyle/>
                     <a:p>
+                      <a:r>
+                        <a:rPr lang="en-US" dirty="0" err="1" smtClean="0"/>
+                        <a:t>Prototyp</a:t>
+                      </a:r>
+                      <a:r>
+                        <a:rPr lang="en-US" baseline="0" dirty="0" smtClean="0"/>
+                        <a:t> </a:t>
+                      </a:r>
+                      <a:r>
+                        <a:rPr lang="en-US" baseline="0" dirty="0" err="1" smtClean="0"/>
+                        <a:t>Anforderungen</a:t>
+                      </a:r>
+                      <a:r>
+                        <a:rPr lang="en-US" baseline="0" dirty="0" smtClean="0"/>
+                        <a:t> so </a:t>
+                      </a:r>
+                      <a:r>
+                        <a:rPr lang="en-US" baseline="0" dirty="0" err="1" smtClean="0"/>
+                        <a:t>früh</a:t>
+                      </a:r>
+                      <a:r>
+                        <a:rPr lang="en-US" baseline="0" dirty="0" smtClean="0"/>
+                        <a:t> wie möglich </a:t>
+                      </a:r>
+                      <a:r>
+                        <a:rPr lang="en-US" baseline="0" dirty="0" err="1" smtClean="0"/>
+                        <a:t>festlegen</a:t>
+                      </a:r>
+                      <a:r>
+                        <a:rPr lang="en-US" baseline="0" dirty="0" smtClean="0"/>
+                        <a:t> und </a:t>
+                      </a:r>
+                      <a:r>
+                        <a:rPr lang="en-US" baseline="0" dirty="0" err="1" smtClean="0"/>
+                        <a:t>detaillieren</a:t>
+                      </a:r>
                       <a:endParaRPr lang="en-US" dirty="0"/>
                     </a:p>
                   </a:txBody>
@@ -7554,15 +8474,7 @@
                       </a:r>
                       <a:r>
                         <a:rPr lang="de-DE" baseline="0" dirty="0" smtClean="0"/>
-                        <a:t> und Doku </a:t>
-                      </a:r>
-                      <a:r>
-                        <a:rPr lang="de-DE" baseline="0" dirty="0" smtClean="0"/>
-                        <a:t>mit Hilfe </a:t>
-                      </a:r>
-                      <a:r>
-                        <a:rPr lang="de-DE" baseline="0" dirty="0" smtClean="0"/>
-                        <a:t>von Word, Excel, Microsoft Project</a:t>
+                        <a:t> und Doku mit Hilfe von Word, Excel, Microsoft Project</a:t>
                       </a:r>
                       <a:endParaRPr lang="de-DE" dirty="0" smtClean="0"/>
                     </a:p>
@@ -7574,6 +8486,56 @@
                     <a:bodyPr/>
                     <a:lstStyle/>
                     <a:p>
+                      <a:r>
+                        <a:rPr lang="en-US" dirty="0" err="1" smtClean="0"/>
+                        <a:t>Verlust</a:t>
+                      </a:r>
+                      <a:r>
+                        <a:rPr lang="en-US" dirty="0" smtClean="0"/>
+                        <a:t> von Überblick über </a:t>
+                      </a:r>
+                      <a:r>
+                        <a:rPr lang="en-US" dirty="0" err="1" smtClean="0"/>
+                        <a:t>bestehende</a:t>
+                      </a:r>
+                      <a:r>
+                        <a:rPr lang="en-US" dirty="0" smtClean="0"/>
+                        <a:t> </a:t>
+                      </a:r>
+                      <a:r>
+                        <a:rPr lang="en-US" dirty="0" err="1" smtClean="0"/>
+                        <a:t>Fehler</a:t>
+                      </a:r>
+                      <a:r>
+                        <a:rPr lang="en-US" dirty="0" smtClean="0"/>
+                        <a:t> im </a:t>
+                      </a:r>
+                      <a:r>
+                        <a:rPr lang="en-US" dirty="0" err="1" smtClean="0"/>
+                        <a:t>Programmcode</a:t>
+                      </a:r>
+                      <a:r>
+                        <a:rPr lang="en-US" dirty="0" smtClean="0"/>
+                        <a:t> </a:t>
+                      </a:r>
+                      <a:r>
+                        <a:rPr lang="en-US" dirty="0" smtClean="0">
+                          <a:sym typeface="Wingdings" panose="05000000000000000000" pitchFamily="2" charset="2"/>
+                        </a:rPr>
+                        <a:t> </a:t>
+                      </a:r>
+                      <a:r>
+                        <a:rPr lang="en-US" dirty="0" err="1" smtClean="0">
+                          <a:sym typeface="Wingdings" panose="05000000000000000000" pitchFamily="2" charset="2"/>
+                        </a:rPr>
+                        <a:t>GitHub</a:t>
+                      </a:r>
+                      <a:r>
+                        <a:rPr lang="en-US" dirty="0" smtClean="0">
+                          <a:sym typeface="Wingdings" panose="05000000000000000000" pitchFamily="2" charset="2"/>
+                        </a:rPr>
+                        <a:t> Issues</a:t>
+                      </a:r>
                       <a:endParaRPr lang="en-US" dirty="0"/>
                     </a:p>
                   </a:txBody>

--- a/Documents/Zwischenpräsentation/Zwischenpräsentation – Projekt Studiduell.pptx
+++ b/Documents/Zwischenpräsentation/Zwischenpräsentation – Projekt Studiduell.pptx
@@ -7,6 +7,9 @@
   <p:notesMasterIdLst>
     <p:notesMasterId r:id="rId13"/>
   </p:notesMasterIdLst>
+  <p:handoutMasterIdLst>
+    <p:handoutMasterId r:id="rId14"/>
+  </p:handoutMasterIdLst>
   <p:sldIdLst>
     <p:sldId id="256" r:id="rId2"/>
     <p:sldId id="257" r:id="rId3"/>
@@ -118,6 +121,171 @@
     </a:lvl9pPr>
   </p:defaultTextStyle>
 </p:presentation>
+</file>
+
+<file path=ppt/handoutMasters/handoutMaster1.xml><?xml version="1.0" encoding="utf-8"?>
+<p:handoutMaster xmlns:a="http://schemas.openxmlformats.org/drawingml/2006/main" xmlns:r="http://schemas.openxmlformats.org/officeDocument/2006/relationships" xmlns:p="http://schemas.openxmlformats.org/presentationml/2006/main">
+  <p:cSld>
+    <p:bg>
+      <p:bgRef idx="1001">
+        <a:schemeClr val="bg1"/>
+      </p:bgRef>
+    </p:bg>
+    <p:spTree>
+      <p:nvGrpSpPr>
+        <p:cNvPr id="1" name=""/>
+        <p:cNvGrpSpPr/>
+        <p:nvPr/>
+      </p:nvGrpSpPr>
+      <p:grpSpPr>
+        <a:xfrm>
+          <a:off x="0" y="0"/>
+          <a:ext cx="0" cy="0"/>
+          <a:chOff x="0" y="0"/>
+          <a:chExt cx="0" cy="0"/>
+        </a:xfrm>
+      </p:grpSpPr>
+      <p:sp>
+        <p:nvSpPr>
+          <p:cNvPr id="2" name="Header Placeholder 1"/>
+          <p:cNvSpPr>
+            <a:spLocks noGrp="1"/>
+          </p:cNvSpPr>
+          <p:nvPr>
+            <p:ph type="hdr" sz="quarter"/>
+          </p:nvPr>
+        </p:nvSpPr>
+        <p:spPr>
+          <a:xfrm>
+            <a:off x="0" y="0"/>
+            <a:ext cx="2971800" cy="457200"/>
+          </a:xfrm>
+          <a:prstGeom prst="rect">
+            <a:avLst/>
+          </a:prstGeom>
+        </p:spPr>
+        <p:txBody>
+          <a:bodyPr vert="horz" lIns="91440" tIns="45720" rIns="91440" bIns="45720" rtlCol="0"/>
+          <a:lstStyle>
+            <a:lvl1pPr algn="l">
+              <a:defRPr sz="1200"/>
+            </a:lvl1pPr>
+          </a:lstStyle>
+          <a:p>
+            <a:endParaRPr lang="en-US"/>
+          </a:p>
+        </p:txBody>
+      </p:sp>
+      <p:sp>
+        <p:nvSpPr>
+          <p:cNvPr id="3" name="Date Placeholder 2"/>
+          <p:cNvSpPr>
+            <a:spLocks noGrp="1"/>
+          </p:cNvSpPr>
+          <p:nvPr>
+            <p:ph type="dt" sz="quarter" idx="1"/>
+          </p:nvPr>
+        </p:nvSpPr>
+        <p:spPr>
+          <a:xfrm>
+            <a:off x="3884613" y="0"/>
+            <a:ext cx="2971800" cy="457200"/>
+          </a:xfrm>
+          <a:prstGeom prst="rect">
+            <a:avLst/>
+          </a:prstGeom>
+        </p:spPr>
+        <p:txBody>
+          <a:bodyPr vert="horz" lIns="91440" tIns="45720" rIns="91440" bIns="45720" rtlCol="0"/>
+          <a:lstStyle>
+            <a:lvl1pPr algn="r">
+              <a:defRPr sz="1200"/>
+            </a:lvl1pPr>
+          </a:lstStyle>
+          <a:p>
+            <a:fld id="{94F32048-6E84-4DE0-8765-FA62CB316714}" type="datetimeFigureOut">
+              <a:rPr lang="en-US" smtClean="0"/>
+              <a:t>3/24/2014</a:t>
+            </a:fld>
+            <a:endParaRPr lang="en-US"/>
+          </a:p>
+        </p:txBody>
+      </p:sp>
+      <p:sp>
+        <p:nvSpPr>
+          <p:cNvPr id="4" name="Footer Placeholder 3"/>
+          <p:cNvSpPr>
+            <a:spLocks noGrp="1"/>
+          </p:cNvSpPr>
+          <p:nvPr>
+            <p:ph type="ftr" sz="quarter" idx="2"/>
+          </p:nvPr>
+        </p:nvSpPr>
+        <p:spPr>
+          <a:xfrm>
+            <a:off x="0" y="8685213"/>
+            <a:ext cx="2971800" cy="457200"/>
+          </a:xfrm>
+          <a:prstGeom prst="rect">
+            <a:avLst/>
+          </a:prstGeom>
+        </p:spPr>
+        <p:txBody>
+          <a:bodyPr vert="horz" lIns="91440" tIns="45720" rIns="91440" bIns="45720" rtlCol="0" anchor="b"/>
+          <a:lstStyle>
+            <a:lvl1pPr algn="l">
+              <a:defRPr sz="1200"/>
+            </a:lvl1pPr>
+          </a:lstStyle>
+          <a:p>
+            <a:endParaRPr lang="en-US"/>
+          </a:p>
+        </p:txBody>
+      </p:sp>
+      <p:sp>
+        <p:nvSpPr>
+          <p:cNvPr id="5" name="Slide Number Placeholder 4"/>
+          <p:cNvSpPr>
+            <a:spLocks noGrp="1"/>
+          </p:cNvSpPr>
+          <p:nvPr>
+            <p:ph type="sldNum" sz="quarter" idx="3"/>
+          </p:nvPr>
+        </p:nvSpPr>
+        <p:spPr>
+          <a:xfrm>
+            <a:off x="3884613" y="8685213"/>
+            <a:ext cx="2971800" cy="457200"/>
+          </a:xfrm>
+          <a:prstGeom prst="rect">
+            <a:avLst/>
+          </a:prstGeom>
+        </p:spPr>
+        <p:txBody>
+          <a:bodyPr vert="horz" lIns="91440" tIns="45720" rIns="91440" bIns="45720" rtlCol="0" anchor="b"/>
+          <a:lstStyle>
+            <a:lvl1pPr algn="r">
+              <a:defRPr sz="1200"/>
+            </a:lvl1pPr>
+          </a:lstStyle>
+          <a:p>
+            <a:fld id="{96437C81-E50E-481E-A121-0BB7808E16B6}" type="slidenum">
+              <a:rPr lang="en-US" smtClean="0"/>
+              <a:t>‹#›</a:t>
+            </a:fld>
+            <a:endParaRPr lang="en-US"/>
+          </a:p>
+        </p:txBody>
+      </p:sp>
+    </p:spTree>
+    <p:extLst>
+      <p:ext uri="{BB962C8B-B14F-4D97-AF65-F5344CB8AC3E}">
+        <p14:creationId xmlns:p14="http://schemas.microsoft.com/office/powerpoint/2010/main" val="805794384"/>
+      </p:ext>
+    </p:extLst>
+  </p:cSld>
+  <p:clrMap bg1="lt1" tx1="dk1" bg2="lt2" tx2="dk2" accent1="accent1" accent2="accent2" accent3="accent3" accent4="accent4" accent5="accent5" accent6="accent6" hlink="hlink" folHlink="folHlink"/>
+</p:handoutMaster>
 </file>
 
 <file path=ppt/notesMasters/notesMaster1.xml><?xml version="1.0" encoding="utf-8"?>
@@ -809,11 +977,7 @@
             </a:r>
             <a:r>
               <a:rPr lang="de-DE" baseline="0" dirty="0" smtClean="0"/>
-              <a:t>r </a:t>
-            </a:r>
-            <a:r>
-              <a:rPr lang="de-DE" baseline="0" dirty="0" smtClean="0"/>
-              <a:t>registrieren: </a:t>
+              <a:t>r registrieren: </a:t>
             </a:r>
           </a:p>
           <a:p>
@@ -967,11 +1131,7 @@
             <a:pPr lvl="1"/>
             <a:r>
               <a:rPr lang="de-DE" dirty="0" smtClean="0"/>
-              <a:t>1.Spieler </a:t>
-            </a:r>
-            <a:r>
-              <a:rPr lang="de-DE" dirty="0" smtClean="0"/>
-              <a:t>registrieren</a:t>
+              <a:t>1.Spieler registrieren</a:t>
             </a:r>
           </a:p>
           <a:p>
@@ -1230,11 +1390,7 @@
           <a:p>
             <a:r>
               <a:rPr lang="de-DE" dirty="0" smtClean="0"/>
-              <a:t>Ein </a:t>
-            </a:r>
-            <a:r>
-              <a:rPr lang="de-DE" dirty="0" smtClean="0"/>
-              <a:t>Paar Anforderungen an App erklären</a:t>
+              <a:t>Ein Paar Anforderungen an App erklären</a:t>
             </a:r>
             <a:r>
               <a:rPr lang="de-DE" baseline="0" dirty="0" smtClean="0"/>
@@ -1354,11 +1510,7 @@
           <a:p>
             <a:r>
               <a:rPr lang="de-DE" dirty="0" smtClean="0"/>
-              <a:t>Versionsverwaltung </a:t>
-            </a:r>
-            <a:r>
-              <a:rPr lang="de-DE" dirty="0" smtClean="0"/>
-              <a:t>des Quellcodes -&gt; </a:t>
+              <a:t>Versionsverwaltung des Quellcodes -&gt; </a:t>
             </a:r>
             <a:r>
               <a:rPr lang="de-DE" dirty="0" err="1" smtClean="0"/>
@@ -2305,10 +2457,10 @@
           <a:lstStyle/>
           <a:p>
             <a:r>
-              <a:rPr lang="en-US" smtClean="0"/>
-              <a:t>24.04.2014</a:t>
-            </a:r>
-            <a:endParaRPr lang="en-US"/>
+              <a:rPr lang="en-US" dirty="0" smtClean="0"/>
+              <a:t>24.03.2014</a:t>
+            </a:r>
+            <a:endParaRPr lang="en-US" dirty="0"/>
           </a:p>
         </p:txBody>
       </p:sp>
@@ -5171,7 +5323,11 @@
           <a:p>
             <a:r>
               <a:rPr lang="de-DE" dirty="0" smtClean="0"/>
-              <a:t>24.04.2014, Philipp Friese, Maximilian Hlawna, Paul Kotte, Kevin Strobel</a:t>
+              <a:t>24.03.2014</a:t>
+            </a:r>
+            <a:r>
+              <a:rPr lang="de-DE" dirty="0" smtClean="0"/>
+              <a:t>, Philipp Friese, Maximilian Hlawna, Paul Kotte, Kevin Strobel</a:t>
             </a:r>
             <a:endParaRPr lang="en-US" dirty="0"/>
           </a:p>
@@ -5261,8 +5417,8 @@
           <a:lstStyle/>
           <a:p>
             <a:r>
-              <a:rPr lang="en-US" smtClean="0"/>
-              <a:t>24.04.2014</a:t>
+              <a:rPr lang="en-US" dirty="0" smtClean="0"/>
+              <a:t>24.03.2014</a:t>
             </a:r>
             <a:endParaRPr lang="en-US" dirty="0"/>
           </a:p>
@@ -5823,11 +5979,7 @@
             </a:r>
             <a:r>
               <a:rPr lang="de-DE" dirty="0" smtClean="0"/>
-              <a:t> </a:t>
-            </a:r>
-            <a:r>
-              <a:rPr lang="de-DE" dirty="0" smtClean="0"/>
-              <a:t>App</a:t>
+              <a:t> App</a:t>
             </a:r>
           </a:p>
           <a:p>
@@ -5886,10 +6038,10 @@
           <a:lstStyle/>
           <a:p>
             <a:r>
-              <a:rPr lang="en-US" smtClean="0"/>
-              <a:t>24.04.2014</a:t>
-            </a:r>
-            <a:endParaRPr lang="en-US"/>
+              <a:rPr lang="en-US" dirty="0" smtClean="0"/>
+              <a:t>24.03.2014</a:t>
+            </a:r>
+            <a:endParaRPr lang="en-US" dirty="0"/>
           </a:p>
         </p:txBody>
       </p:sp>
@@ -6063,25 +6215,17 @@
           <a:p>
             <a:r>
               <a:rPr lang="de-DE" dirty="0" smtClean="0"/>
-              <a:t>Vorstellung der </a:t>
-            </a:r>
+              <a:t>Vorstellung der App-Idee und der potenziellen Nutzergruppe</a:t>
+            </a:r>
+          </a:p>
+          <a:p>
             <a:r>
               <a:rPr lang="de-DE" dirty="0" smtClean="0"/>
-              <a:t>App-Idee und </a:t>
+              <a:t>Download der </a:t>
             </a:r>
             <a:r>
               <a:rPr lang="de-DE" dirty="0" smtClean="0"/>
-              <a:t>der potenziellen </a:t>
-            </a:r>
-            <a:r>
-              <a:rPr lang="de-DE" dirty="0" smtClean="0"/>
-              <a:t>Nutzergruppe</a:t>
-            </a:r>
-          </a:p>
-          <a:p>
-            <a:r>
-              <a:rPr lang="de-DE" dirty="0" smtClean="0"/>
-              <a:t>Download der Android-App</a:t>
+              <a:t>Android-App</a:t>
             </a:r>
             <a:endParaRPr lang="de-DE" dirty="0" smtClean="0"/>
           </a:p>
@@ -6193,7 +6337,345 @@
   <p:timing>
     <p:tnLst>
       <p:par>
-        <p:cTn id="1" dur="indefinite" restart="never" nodeType="tmRoot"/>
+        <p:cTn id="1" dur="indefinite" restart="never" nodeType="tmRoot">
+          <p:childTnLst>
+            <p:seq concurrent="1" nextAc="seek">
+              <p:cTn id="2" dur="indefinite" nodeType="mainSeq">
+                <p:childTnLst>
+                  <p:par>
+                    <p:cTn id="3" fill="hold">
+                      <p:stCondLst>
+                        <p:cond delay="indefinite"/>
+                      </p:stCondLst>
+                      <p:childTnLst>
+                        <p:par>
+                          <p:cTn id="4" fill="hold">
+                            <p:stCondLst>
+                              <p:cond delay="0"/>
+                            </p:stCondLst>
+                            <p:childTnLst>
+                              <p:par>
+                                <p:cTn id="5" presetID="1" presetClass="entr" presetSubtype="0" fill="hold" nodeType="clickEffect">
+                                  <p:stCondLst>
+                                    <p:cond delay="0"/>
+                                  </p:stCondLst>
+                                  <p:childTnLst>
+                                    <p:set>
+                                      <p:cBhvr>
+                                        <p:cTn id="6" dur="1" fill="hold">
+                                          <p:stCondLst>
+                                            <p:cond delay="0"/>
+                                          </p:stCondLst>
+                                        </p:cTn>
+                                        <p:tgtEl>
+                                          <p:spTgt spid="3">
+                                            <p:txEl>
+                                              <p:pRg st="0" end="0"/>
+                                            </p:txEl>
+                                          </p:spTgt>
+                                        </p:tgtEl>
+                                        <p:attrNameLst>
+                                          <p:attrName>style.visibility</p:attrName>
+                                        </p:attrNameLst>
+                                      </p:cBhvr>
+                                      <p:to>
+                                        <p:strVal val="visible"/>
+                                      </p:to>
+                                    </p:set>
+                                  </p:childTnLst>
+                                </p:cTn>
+                              </p:par>
+                              <p:par>
+                                <p:cTn id="7" presetID="1" presetClass="entr" presetSubtype="0" fill="hold" nodeType="withEffect">
+                                  <p:stCondLst>
+                                    <p:cond delay="0"/>
+                                  </p:stCondLst>
+                                  <p:childTnLst>
+                                    <p:set>
+                                      <p:cBhvr>
+                                        <p:cTn id="8" dur="1" fill="hold">
+                                          <p:stCondLst>
+                                            <p:cond delay="0"/>
+                                          </p:stCondLst>
+                                        </p:cTn>
+                                        <p:tgtEl>
+                                          <p:spTgt spid="3">
+                                            <p:txEl>
+                                              <p:pRg st="1" end="1"/>
+                                            </p:txEl>
+                                          </p:spTgt>
+                                        </p:tgtEl>
+                                        <p:attrNameLst>
+                                          <p:attrName>style.visibility</p:attrName>
+                                        </p:attrNameLst>
+                                      </p:cBhvr>
+                                      <p:to>
+                                        <p:strVal val="visible"/>
+                                      </p:to>
+                                    </p:set>
+                                  </p:childTnLst>
+                                </p:cTn>
+                              </p:par>
+                              <p:par>
+                                <p:cTn id="9" presetID="1" presetClass="entr" presetSubtype="0" fill="hold" nodeType="withEffect">
+                                  <p:stCondLst>
+                                    <p:cond delay="0"/>
+                                  </p:stCondLst>
+                                  <p:childTnLst>
+                                    <p:set>
+                                      <p:cBhvr>
+                                        <p:cTn id="10" dur="1" fill="hold">
+                                          <p:stCondLst>
+                                            <p:cond delay="0"/>
+                                          </p:stCondLst>
+                                        </p:cTn>
+                                        <p:tgtEl>
+                                          <p:spTgt spid="3">
+                                            <p:txEl>
+                                              <p:pRg st="2" end="2"/>
+                                            </p:txEl>
+                                          </p:spTgt>
+                                        </p:tgtEl>
+                                        <p:attrNameLst>
+                                          <p:attrName>style.visibility</p:attrName>
+                                        </p:attrNameLst>
+                                      </p:cBhvr>
+                                      <p:to>
+                                        <p:strVal val="visible"/>
+                                      </p:to>
+                                    </p:set>
+                                  </p:childTnLst>
+                                </p:cTn>
+                              </p:par>
+                            </p:childTnLst>
+                          </p:cTn>
+                        </p:par>
+                      </p:childTnLst>
+                    </p:cTn>
+                  </p:par>
+                  <p:par>
+                    <p:cTn id="11" fill="hold">
+                      <p:stCondLst>
+                        <p:cond delay="indefinite"/>
+                      </p:stCondLst>
+                      <p:childTnLst>
+                        <p:par>
+                          <p:cTn id="12" fill="hold">
+                            <p:stCondLst>
+                              <p:cond delay="0"/>
+                            </p:stCondLst>
+                            <p:childTnLst>
+                              <p:par>
+                                <p:cTn id="13" presetID="1" presetClass="entr" presetSubtype="0" fill="hold" nodeType="clickEffect">
+                                  <p:stCondLst>
+                                    <p:cond delay="0"/>
+                                  </p:stCondLst>
+                                  <p:childTnLst>
+                                    <p:set>
+                                      <p:cBhvr>
+                                        <p:cTn id="14" dur="1" fill="hold">
+                                          <p:stCondLst>
+                                            <p:cond delay="0"/>
+                                          </p:stCondLst>
+                                        </p:cTn>
+                                        <p:tgtEl>
+                                          <p:spTgt spid="3">
+                                            <p:txEl>
+                                              <p:pRg st="3" end="3"/>
+                                            </p:txEl>
+                                          </p:spTgt>
+                                        </p:tgtEl>
+                                        <p:attrNameLst>
+                                          <p:attrName>style.visibility</p:attrName>
+                                        </p:attrNameLst>
+                                      </p:cBhvr>
+                                      <p:to>
+                                        <p:strVal val="visible"/>
+                                      </p:to>
+                                    </p:set>
+                                  </p:childTnLst>
+                                </p:cTn>
+                              </p:par>
+                              <p:par>
+                                <p:cTn id="15" presetID="1" presetClass="entr" presetSubtype="0" fill="hold" nodeType="withEffect">
+                                  <p:stCondLst>
+                                    <p:cond delay="0"/>
+                                  </p:stCondLst>
+                                  <p:childTnLst>
+                                    <p:set>
+                                      <p:cBhvr>
+                                        <p:cTn id="16" dur="1" fill="hold">
+                                          <p:stCondLst>
+                                            <p:cond delay="0"/>
+                                          </p:stCondLst>
+                                        </p:cTn>
+                                        <p:tgtEl>
+                                          <p:spTgt spid="3">
+                                            <p:txEl>
+                                              <p:pRg st="4" end="4"/>
+                                            </p:txEl>
+                                          </p:spTgt>
+                                        </p:tgtEl>
+                                        <p:attrNameLst>
+                                          <p:attrName>style.visibility</p:attrName>
+                                        </p:attrNameLst>
+                                      </p:cBhvr>
+                                      <p:to>
+                                        <p:strVal val="visible"/>
+                                      </p:to>
+                                    </p:set>
+                                  </p:childTnLst>
+                                </p:cTn>
+                              </p:par>
+                              <p:par>
+                                <p:cTn id="17" presetID="1" presetClass="entr" presetSubtype="0" fill="hold" nodeType="withEffect">
+                                  <p:stCondLst>
+                                    <p:cond delay="0"/>
+                                  </p:stCondLst>
+                                  <p:childTnLst>
+                                    <p:set>
+                                      <p:cBhvr>
+                                        <p:cTn id="18" dur="1" fill="hold">
+                                          <p:stCondLst>
+                                            <p:cond delay="0"/>
+                                          </p:stCondLst>
+                                        </p:cTn>
+                                        <p:tgtEl>
+                                          <p:spTgt spid="3">
+                                            <p:txEl>
+                                              <p:pRg st="5" end="5"/>
+                                            </p:txEl>
+                                          </p:spTgt>
+                                        </p:tgtEl>
+                                        <p:attrNameLst>
+                                          <p:attrName>style.visibility</p:attrName>
+                                        </p:attrNameLst>
+                                      </p:cBhvr>
+                                      <p:to>
+                                        <p:strVal val="visible"/>
+                                      </p:to>
+                                    </p:set>
+                                  </p:childTnLst>
+                                </p:cTn>
+                              </p:par>
+                              <p:par>
+                                <p:cTn id="19" presetID="1" presetClass="entr" presetSubtype="0" fill="hold" nodeType="withEffect">
+                                  <p:stCondLst>
+                                    <p:cond delay="0"/>
+                                  </p:stCondLst>
+                                  <p:childTnLst>
+                                    <p:set>
+                                      <p:cBhvr>
+                                        <p:cTn id="20" dur="1" fill="hold">
+                                          <p:stCondLst>
+                                            <p:cond delay="0"/>
+                                          </p:stCondLst>
+                                        </p:cTn>
+                                        <p:tgtEl>
+                                          <p:spTgt spid="3">
+                                            <p:txEl>
+                                              <p:pRg st="6" end="6"/>
+                                            </p:txEl>
+                                          </p:spTgt>
+                                        </p:tgtEl>
+                                        <p:attrNameLst>
+                                          <p:attrName>style.visibility</p:attrName>
+                                        </p:attrNameLst>
+                                      </p:cBhvr>
+                                      <p:to>
+                                        <p:strVal val="visible"/>
+                                      </p:to>
+                                    </p:set>
+                                  </p:childTnLst>
+                                </p:cTn>
+                              </p:par>
+                              <p:par>
+                                <p:cTn id="21" presetID="1" presetClass="entr" presetSubtype="0" fill="hold" nodeType="withEffect">
+                                  <p:stCondLst>
+                                    <p:cond delay="0"/>
+                                  </p:stCondLst>
+                                  <p:childTnLst>
+                                    <p:set>
+                                      <p:cBhvr>
+                                        <p:cTn id="22" dur="1" fill="hold">
+                                          <p:stCondLst>
+                                            <p:cond delay="0"/>
+                                          </p:stCondLst>
+                                        </p:cTn>
+                                        <p:tgtEl>
+                                          <p:spTgt spid="3">
+                                            <p:txEl>
+                                              <p:pRg st="7" end="7"/>
+                                            </p:txEl>
+                                          </p:spTgt>
+                                        </p:tgtEl>
+                                        <p:attrNameLst>
+                                          <p:attrName>style.visibility</p:attrName>
+                                        </p:attrNameLst>
+                                      </p:cBhvr>
+                                      <p:to>
+                                        <p:strVal val="visible"/>
+                                      </p:to>
+                                    </p:set>
+                                  </p:childTnLst>
+                                </p:cTn>
+                              </p:par>
+                              <p:par>
+                                <p:cTn id="23" presetID="1" presetClass="entr" presetSubtype="0" fill="hold" nodeType="withEffect">
+                                  <p:stCondLst>
+                                    <p:cond delay="0"/>
+                                  </p:stCondLst>
+                                  <p:childTnLst>
+                                    <p:set>
+                                      <p:cBhvr>
+                                        <p:cTn id="24" dur="1" fill="hold">
+                                          <p:stCondLst>
+                                            <p:cond delay="0"/>
+                                          </p:stCondLst>
+                                        </p:cTn>
+                                        <p:tgtEl>
+                                          <p:spTgt spid="3">
+                                            <p:txEl>
+                                              <p:pRg st="8" end="8"/>
+                                            </p:txEl>
+                                          </p:spTgt>
+                                        </p:tgtEl>
+                                        <p:attrNameLst>
+                                          <p:attrName>style.visibility</p:attrName>
+                                        </p:attrNameLst>
+                                      </p:cBhvr>
+                                      <p:to>
+                                        <p:strVal val="visible"/>
+                                      </p:to>
+                                    </p:set>
+                                  </p:childTnLst>
+                                </p:cTn>
+                              </p:par>
+                            </p:childTnLst>
+                          </p:cTn>
+                        </p:par>
+                      </p:childTnLst>
+                    </p:cTn>
+                  </p:par>
+                </p:childTnLst>
+              </p:cTn>
+              <p:prevCondLst>
+                <p:cond evt="onPrev" delay="0">
+                  <p:tgtEl>
+                    <p:sldTgt/>
+                  </p:tgtEl>
+                </p:cond>
+              </p:prevCondLst>
+              <p:nextCondLst>
+                <p:cond evt="onNext" delay="0">
+                  <p:tgtEl>
+                    <p:sldTgt/>
+                  </p:tgtEl>
+                </p:cond>
+              </p:nextCondLst>
+            </p:seq>
+          </p:childTnLst>
+        </p:cTn>
       </p:par>
     </p:tnLst>
   </p:timing>
@@ -6465,23 +6947,14 @@
             <a:pPr lvl="1"/>
             <a:r>
               <a:rPr lang="de-DE" dirty="0" smtClean="0"/>
-              <a:t>Spieler </a:t>
-            </a:r>
+              <a:t>Spieler einloggen/ausloggen</a:t>
+            </a:r>
+          </a:p>
+          <a:p>
+            <a:pPr lvl="1"/>
             <a:r>
               <a:rPr lang="de-DE" dirty="0" smtClean="0"/>
-              <a:t>einloggen/ausloggen</a:t>
-            </a:r>
-            <a:endParaRPr lang="de-DE" dirty="0" smtClean="0"/>
-          </a:p>
-          <a:p>
-            <a:pPr lvl="1"/>
-            <a:r>
-              <a:rPr lang="de-DE" dirty="0" smtClean="0"/>
-              <a:t>Spieler </a:t>
-            </a:r>
-            <a:r>
-              <a:rPr lang="de-DE" dirty="0" smtClean="0"/>
-              <a:t>suchen</a:t>
+              <a:t>Spieler suchen</a:t>
             </a:r>
           </a:p>
           <a:p>
@@ -6490,19 +6963,13 @@
               <a:rPr lang="de-DE" dirty="0" smtClean="0"/>
               <a:t>Mit Spieler befreunden</a:t>
             </a:r>
-            <a:endParaRPr lang="de-DE" dirty="0" smtClean="0"/>
           </a:p>
           <a:p>
             <a:pPr lvl="1"/>
             <a:r>
               <a:rPr lang="de-DE" dirty="0" smtClean="0"/>
-              <a:t>Spiel </a:t>
-            </a:r>
-            <a:r>
-              <a:rPr lang="de-DE" dirty="0" smtClean="0"/>
-              <a:t>spielen </a:t>
-            </a:r>
-            <a:endParaRPr lang="de-DE" dirty="0" smtClean="0"/>
+              <a:t>Spiel spielen </a:t>
+            </a:r>
           </a:p>
           <a:p>
             <a:pPr lvl="1"/>
@@ -6510,7 +6977,6 @@
               <a:rPr lang="de-DE" dirty="0" smtClean="0"/>
               <a:t>Spiel aufgeben</a:t>
             </a:r>
-            <a:endParaRPr lang="de-DE" dirty="0" smtClean="0"/>
           </a:p>
           <a:p>
             <a:pPr marL="457200" lvl="1" indent="0">
@@ -6602,7 +7068,363 @@
   <p:timing>
     <p:tnLst>
       <p:par>
-        <p:cTn id="1" dur="indefinite" restart="never" nodeType="tmRoot"/>
+        <p:cTn id="1" dur="indefinite" restart="never" nodeType="tmRoot">
+          <p:childTnLst>
+            <p:seq concurrent="1" nextAc="seek">
+              <p:cTn id="2" dur="indefinite" nodeType="mainSeq">
+                <p:childTnLst>
+                  <p:par>
+                    <p:cTn id="3" fill="hold">
+                      <p:stCondLst>
+                        <p:cond delay="indefinite"/>
+                      </p:stCondLst>
+                      <p:childTnLst>
+                        <p:par>
+                          <p:cTn id="4" fill="hold">
+                            <p:stCondLst>
+                              <p:cond delay="0"/>
+                            </p:stCondLst>
+                            <p:childTnLst>
+                              <p:par>
+                                <p:cTn id="5" presetID="1" presetClass="entr" presetSubtype="0" fill="hold" nodeType="clickEffect">
+                                  <p:stCondLst>
+                                    <p:cond delay="0"/>
+                                  </p:stCondLst>
+                                  <p:childTnLst>
+                                    <p:set>
+                                      <p:cBhvr>
+                                        <p:cTn id="6" dur="1" fill="hold">
+                                          <p:stCondLst>
+                                            <p:cond delay="0"/>
+                                          </p:stCondLst>
+                                        </p:cTn>
+                                        <p:tgtEl>
+                                          <p:spTgt spid="3">
+                                            <p:txEl>
+                                              <p:pRg st="0" end="0"/>
+                                            </p:txEl>
+                                          </p:spTgt>
+                                        </p:tgtEl>
+                                        <p:attrNameLst>
+                                          <p:attrName>style.visibility</p:attrName>
+                                        </p:attrNameLst>
+                                      </p:cBhvr>
+                                      <p:to>
+                                        <p:strVal val="visible"/>
+                                      </p:to>
+                                    </p:set>
+                                  </p:childTnLst>
+                                </p:cTn>
+                              </p:par>
+                            </p:childTnLst>
+                          </p:cTn>
+                        </p:par>
+                      </p:childTnLst>
+                    </p:cTn>
+                  </p:par>
+                  <p:par>
+                    <p:cTn id="7" fill="hold">
+                      <p:stCondLst>
+                        <p:cond delay="indefinite"/>
+                      </p:stCondLst>
+                      <p:childTnLst>
+                        <p:par>
+                          <p:cTn id="8" fill="hold">
+                            <p:stCondLst>
+                              <p:cond delay="0"/>
+                            </p:stCondLst>
+                            <p:childTnLst>
+                              <p:par>
+                                <p:cTn id="9" presetID="1" presetClass="entr" presetSubtype="0" fill="hold" nodeType="clickEffect">
+                                  <p:stCondLst>
+                                    <p:cond delay="0"/>
+                                  </p:stCondLst>
+                                  <p:childTnLst>
+                                    <p:set>
+                                      <p:cBhvr>
+                                        <p:cTn id="10" dur="1" fill="hold">
+                                          <p:stCondLst>
+                                            <p:cond delay="0"/>
+                                          </p:stCondLst>
+                                        </p:cTn>
+                                        <p:tgtEl>
+                                          <p:spTgt spid="3">
+                                            <p:txEl>
+                                              <p:pRg st="1" end="1"/>
+                                            </p:txEl>
+                                          </p:spTgt>
+                                        </p:tgtEl>
+                                        <p:attrNameLst>
+                                          <p:attrName>style.visibility</p:attrName>
+                                        </p:attrNameLst>
+                                      </p:cBhvr>
+                                      <p:to>
+                                        <p:strVal val="visible"/>
+                                      </p:to>
+                                    </p:set>
+                                  </p:childTnLst>
+                                </p:cTn>
+                              </p:par>
+                            </p:childTnLst>
+                          </p:cTn>
+                        </p:par>
+                      </p:childTnLst>
+                    </p:cTn>
+                  </p:par>
+                  <p:par>
+                    <p:cTn id="11" fill="hold">
+                      <p:stCondLst>
+                        <p:cond delay="indefinite"/>
+                      </p:stCondLst>
+                      <p:childTnLst>
+                        <p:par>
+                          <p:cTn id="12" fill="hold">
+                            <p:stCondLst>
+                              <p:cond delay="0"/>
+                            </p:stCondLst>
+                            <p:childTnLst>
+                              <p:par>
+                                <p:cTn id="13" presetID="1" presetClass="entr" presetSubtype="0" fill="hold" nodeType="clickEffect">
+                                  <p:stCondLst>
+                                    <p:cond delay="0"/>
+                                  </p:stCondLst>
+                                  <p:childTnLst>
+                                    <p:set>
+                                      <p:cBhvr>
+                                        <p:cTn id="14" dur="1" fill="hold">
+                                          <p:stCondLst>
+                                            <p:cond delay="0"/>
+                                          </p:stCondLst>
+                                        </p:cTn>
+                                        <p:tgtEl>
+                                          <p:spTgt spid="3">
+                                            <p:txEl>
+                                              <p:pRg st="2" end="2"/>
+                                            </p:txEl>
+                                          </p:spTgt>
+                                        </p:tgtEl>
+                                        <p:attrNameLst>
+                                          <p:attrName>style.visibility</p:attrName>
+                                        </p:attrNameLst>
+                                      </p:cBhvr>
+                                      <p:to>
+                                        <p:strVal val="visible"/>
+                                      </p:to>
+                                    </p:set>
+                                  </p:childTnLst>
+                                </p:cTn>
+                              </p:par>
+                              <p:par>
+                                <p:cTn id="15" presetID="1" presetClass="entr" presetSubtype="0" fill="hold" nodeType="withEffect">
+                                  <p:stCondLst>
+                                    <p:cond delay="0"/>
+                                  </p:stCondLst>
+                                  <p:childTnLst>
+                                    <p:set>
+                                      <p:cBhvr>
+                                        <p:cTn id="16" dur="1" fill="hold">
+                                          <p:stCondLst>
+                                            <p:cond delay="0"/>
+                                          </p:stCondLst>
+                                        </p:cTn>
+                                        <p:tgtEl>
+                                          <p:spTgt spid="3">
+                                            <p:txEl>
+                                              <p:pRg st="3" end="3"/>
+                                            </p:txEl>
+                                          </p:spTgt>
+                                        </p:tgtEl>
+                                        <p:attrNameLst>
+                                          <p:attrName>style.visibility</p:attrName>
+                                        </p:attrNameLst>
+                                      </p:cBhvr>
+                                      <p:to>
+                                        <p:strVal val="visible"/>
+                                      </p:to>
+                                    </p:set>
+                                  </p:childTnLst>
+                                </p:cTn>
+                              </p:par>
+                              <p:par>
+                                <p:cTn id="17" presetID="1" presetClass="entr" presetSubtype="0" fill="hold" nodeType="withEffect">
+                                  <p:stCondLst>
+                                    <p:cond delay="0"/>
+                                  </p:stCondLst>
+                                  <p:childTnLst>
+                                    <p:set>
+                                      <p:cBhvr>
+                                        <p:cTn id="18" dur="1" fill="hold">
+                                          <p:stCondLst>
+                                            <p:cond delay="0"/>
+                                          </p:stCondLst>
+                                        </p:cTn>
+                                        <p:tgtEl>
+                                          <p:spTgt spid="3">
+                                            <p:txEl>
+                                              <p:pRg st="4" end="4"/>
+                                            </p:txEl>
+                                          </p:spTgt>
+                                        </p:tgtEl>
+                                        <p:attrNameLst>
+                                          <p:attrName>style.visibility</p:attrName>
+                                        </p:attrNameLst>
+                                      </p:cBhvr>
+                                      <p:to>
+                                        <p:strVal val="visible"/>
+                                      </p:to>
+                                    </p:set>
+                                  </p:childTnLst>
+                                </p:cTn>
+                              </p:par>
+                              <p:par>
+                                <p:cTn id="19" presetID="1" presetClass="entr" presetSubtype="0" fill="hold" nodeType="withEffect">
+                                  <p:stCondLst>
+                                    <p:cond delay="0"/>
+                                  </p:stCondLst>
+                                  <p:childTnLst>
+                                    <p:set>
+                                      <p:cBhvr>
+                                        <p:cTn id="20" dur="1" fill="hold">
+                                          <p:stCondLst>
+                                            <p:cond delay="0"/>
+                                          </p:stCondLst>
+                                        </p:cTn>
+                                        <p:tgtEl>
+                                          <p:spTgt spid="3">
+                                            <p:txEl>
+                                              <p:pRg st="5" end="5"/>
+                                            </p:txEl>
+                                          </p:spTgt>
+                                        </p:tgtEl>
+                                        <p:attrNameLst>
+                                          <p:attrName>style.visibility</p:attrName>
+                                        </p:attrNameLst>
+                                      </p:cBhvr>
+                                      <p:to>
+                                        <p:strVal val="visible"/>
+                                      </p:to>
+                                    </p:set>
+                                  </p:childTnLst>
+                                </p:cTn>
+                              </p:par>
+                              <p:par>
+                                <p:cTn id="21" presetID="1" presetClass="entr" presetSubtype="0" fill="hold" nodeType="withEffect">
+                                  <p:stCondLst>
+                                    <p:cond delay="0"/>
+                                  </p:stCondLst>
+                                  <p:childTnLst>
+                                    <p:set>
+                                      <p:cBhvr>
+                                        <p:cTn id="22" dur="1" fill="hold">
+                                          <p:stCondLst>
+                                            <p:cond delay="0"/>
+                                          </p:stCondLst>
+                                        </p:cTn>
+                                        <p:tgtEl>
+                                          <p:spTgt spid="3">
+                                            <p:txEl>
+                                              <p:pRg st="6" end="6"/>
+                                            </p:txEl>
+                                          </p:spTgt>
+                                        </p:tgtEl>
+                                        <p:attrNameLst>
+                                          <p:attrName>style.visibility</p:attrName>
+                                        </p:attrNameLst>
+                                      </p:cBhvr>
+                                      <p:to>
+                                        <p:strVal val="visible"/>
+                                      </p:to>
+                                    </p:set>
+                                  </p:childTnLst>
+                                </p:cTn>
+                              </p:par>
+                              <p:par>
+                                <p:cTn id="23" presetID="1" presetClass="entr" presetSubtype="0" fill="hold" nodeType="withEffect">
+                                  <p:stCondLst>
+                                    <p:cond delay="0"/>
+                                  </p:stCondLst>
+                                  <p:childTnLst>
+                                    <p:set>
+                                      <p:cBhvr>
+                                        <p:cTn id="24" dur="1" fill="hold">
+                                          <p:stCondLst>
+                                            <p:cond delay="0"/>
+                                          </p:stCondLst>
+                                        </p:cTn>
+                                        <p:tgtEl>
+                                          <p:spTgt spid="3">
+                                            <p:txEl>
+                                              <p:pRg st="7" end="7"/>
+                                            </p:txEl>
+                                          </p:spTgt>
+                                        </p:tgtEl>
+                                        <p:attrNameLst>
+                                          <p:attrName>style.visibility</p:attrName>
+                                        </p:attrNameLst>
+                                      </p:cBhvr>
+                                      <p:to>
+                                        <p:strVal val="visible"/>
+                                      </p:to>
+                                    </p:set>
+                                  </p:childTnLst>
+                                </p:cTn>
+                              </p:par>
+                              <p:par>
+                                <p:cTn id="25" presetID="1" presetClass="entr" presetSubtype="0" fill="hold" nodeType="withEffect">
+                                  <p:stCondLst>
+                                    <p:cond delay="0"/>
+                                  </p:stCondLst>
+                                  <p:childTnLst>
+                                    <p:set>
+                                      <p:cBhvr>
+                                        <p:cTn id="26" dur="1" fill="hold">
+                                          <p:stCondLst>
+                                            <p:cond delay="0"/>
+                                          </p:stCondLst>
+                                        </p:cTn>
+                                        <p:tgtEl>
+                                          <p:spTgt spid="3">
+                                            <p:txEl>
+                                              <p:pRg st="8" end="8"/>
+                                            </p:txEl>
+                                          </p:spTgt>
+                                        </p:tgtEl>
+                                        <p:attrNameLst>
+                                          <p:attrName>style.visibility</p:attrName>
+                                        </p:attrNameLst>
+                                      </p:cBhvr>
+                                      <p:to>
+                                        <p:strVal val="visible"/>
+                                      </p:to>
+                                    </p:set>
+                                  </p:childTnLst>
+                                </p:cTn>
+                              </p:par>
+                            </p:childTnLst>
+                          </p:cTn>
+                        </p:par>
+                      </p:childTnLst>
+                    </p:cTn>
+                  </p:par>
+                </p:childTnLst>
+              </p:cTn>
+              <p:prevCondLst>
+                <p:cond evt="onPrev" delay="0">
+                  <p:tgtEl>
+                    <p:sldTgt/>
+                  </p:tgtEl>
+                </p:cond>
+              </p:prevCondLst>
+              <p:nextCondLst>
+                <p:cond evt="onNext" delay="0">
+                  <p:tgtEl>
+                    <p:sldTgt/>
+                  </p:tgtEl>
+                </p:cond>
+              </p:nextCondLst>
+            </p:seq>
+          </p:childTnLst>
+        </p:cTn>
       </p:par>
     </p:tnLst>
   </p:timing>
@@ -7209,13 +8031,8 @@
             </a:r>
             <a:r>
               <a:rPr lang="de-DE" dirty="0" smtClean="0"/>
-              <a:t>: Vergleich mehrerer Kriterien, Erstellung einer Präsentation über die Technologien, Einarbeitung in </a:t>
-            </a:r>
-            <a:r>
-              <a:rPr lang="de-DE" dirty="0" smtClean="0"/>
-              <a:t>beide Technologien, Prototyp in Technologie mit vielversprechendster Zielgruppenabdeckung</a:t>
-            </a:r>
-            <a:endParaRPr lang="de-DE" dirty="0" smtClean="0"/>
+              <a:t>: Vergleich mehrerer Kriterien, Erstellung einer Präsentation über die Technologien, Einarbeitung in beide Technologien, Prototyp in Technologie mit vielversprechendster Zielgruppenabdeckung</a:t>
+            </a:r>
           </a:p>
           <a:p>
             <a:r>
@@ -7232,13 +8049,8 @@
             </a:r>
             <a:r>
               <a:rPr lang="de-DE" dirty="0" smtClean="0"/>
-              <a:t>Initiales </a:t>
-            </a:r>
-            <a:r>
-              <a:rPr lang="de-DE" dirty="0" smtClean="0"/>
-              <a:t>Aufstellen einer Verbindung mittels „Spring Security“ zwischen App und Server</a:t>
-            </a:r>
-            <a:endParaRPr lang="de-DE" dirty="0" smtClean="0"/>
+              <a:t>Initiales Aufstellen einer Verbindung mittels „Spring Security“ zwischen App und Server</a:t>
+            </a:r>
           </a:p>
           <a:p>
             <a:r>
@@ -7253,7 +8065,6 @@
               <a:rPr lang="de-DE" dirty="0" smtClean="0"/>
               <a:t>: Einarbeitung in die CORS-Technologie </a:t>
             </a:r>
-            <a:endParaRPr lang="de-DE" dirty="0" smtClean="0"/>
           </a:p>
           <a:p>
             <a:r>
@@ -7272,7 +8083,6 @@
               <a:rPr lang="de-DE" dirty="0" smtClean="0"/>
               <a:t>Schnelles Erstellen einer professionellen und wartbaren Website</a:t>
             </a:r>
-            <a:endParaRPr lang="de-DE" dirty="0" smtClean="0"/>
           </a:p>
           <a:p>
             <a:r>
@@ -7336,7 +8146,6 @@
               <a:rPr lang="de-DE" dirty="0" smtClean="0"/>
               <a:t>“ zum Verfolgen der Fehler.</a:t>
             </a:r>
-            <a:endParaRPr lang="de-DE" dirty="0" smtClean="0"/>
           </a:p>
           <a:p>
             <a:endParaRPr lang="en-US" dirty="0"/>
@@ -7986,7 +8795,7 @@
           <a:p>
             <a:r>
               <a:rPr lang="de-DE" dirty="0" smtClean="0"/>
-              <a:t>24.04.14</a:t>
+              <a:t>24.03.14</a:t>
             </a:r>
             <a:endParaRPr lang="en-US" dirty="0"/>
           </a:p>
@@ -8016,11 +8825,7 @@
           <a:p>
             <a:r>
               <a:rPr lang="de-DE" dirty="0" smtClean="0"/>
-              <a:t>30</a:t>
-            </a:r>
-            <a:r>
-              <a:rPr lang="de-DE" dirty="0" smtClean="0"/>
-              <a:t>.09.2014</a:t>
+              <a:t>30.09.2014</a:t>
             </a:r>
             <a:endParaRPr lang="en-US" dirty="0"/>
           </a:p>
@@ -8108,7 +8913,535 @@
   <p:timing>
     <p:tnLst>
       <p:par>
-        <p:cTn id="1" dur="indefinite" restart="never" nodeType="tmRoot"/>
+        <p:cTn id="1" dur="indefinite" restart="never" nodeType="tmRoot">
+          <p:childTnLst>
+            <p:seq concurrent="1" nextAc="seek">
+              <p:cTn id="2" dur="indefinite" nodeType="mainSeq">
+                <p:childTnLst>
+                  <p:par>
+                    <p:cTn id="3" fill="hold">
+                      <p:stCondLst>
+                        <p:cond delay="indefinite"/>
+                      </p:stCondLst>
+                      <p:childTnLst>
+                        <p:par>
+                          <p:cTn id="4" fill="hold">
+                            <p:stCondLst>
+                              <p:cond delay="0"/>
+                            </p:stCondLst>
+                            <p:childTnLst>
+                              <p:par>
+                                <p:cTn id="5" presetID="1" presetClass="entr" presetSubtype="0" fill="hold" nodeType="clickEffect">
+                                  <p:stCondLst>
+                                    <p:cond delay="0"/>
+                                  </p:stCondLst>
+                                  <p:childTnLst>
+                                    <p:set>
+                                      <p:cBhvr>
+                                        <p:cTn id="6" dur="1" fill="hold">
+                                          <p:stCondLst>
+                                            <p:cond delay="0"/>
+                                          </p:stCondLst>
+                                        </p:cTn>
+                                        <p:tgtEl>
+                                          <p:spTgt spid="3">
+                                            <p:txEl>
+                                              <p:pRg st="1" end="1"/>
+                                            </p:txEl>
+                                          </p:spTgt>
+                                        </p:tgtEl>
+                                        <p:attrNameLst>
+                                          <p:attrName>style.visibility</p:attrName>
+                                        </p:attrNameLst>
+                                      </p:cBhvr>
+                                      <p:to>
+                                        <p:strVal val="visible"/>
+                                      </p:to>
+                                    </p:set>
+                                  </p:childTnLst>
+                                </p:cTn>
+                              </p:par>
+                            </p:childTnLst>
+                          </p:cTn>
+                        </p:par>
+                      </p:childTnLst>
+                    </p:cTn>
+                  </p:par>
+                  <p:par>
+                    <p:cTn id="7" fill="hold">
+                      <p:stCondLst>
+                        <p:cond delay="indefinite"/>
+                      </p:stCondLst>
+                      <p:childTnLst>
+                        <p:par>
+                          <p:cTn id="8" fill="hold">
+                            <p:stCondLst>
+                              <p:cond delay="0"/>
+                            </p:stCondLst>
+                            <p:childTnLst>
+                              <p:par>
+                                <p:cTn id="9" presetID="1" presetClass="entr" presetSubtype="0" fill="hold" nodeType="clickEffect">
+                                  <p:stCondLst>
+                                    <p:cond delay="0"/>
+                                  </p:stCondLst>
+                                  <p:childTnLst>
+                                    <p:set>
+                                      <p:cBhvr>
+                                        <p:cTn id="10" dur="1" fill="hold">
+                                          <p:stCondLst>
+                                            <p:cond delay="0"/>
+                                          </p:stCondLst>
+                                        </p:cTn>
+                                        <p:tgtEl>
+                                          <p:spTgt spid="3">
+                                            <p:txEl>
+                                              <p:pRg st="2" end="2"/>
+                                            </p:txEl>
+                                          </p:spTgt>
+                                        </p:tgtEl>
+                                        <p:attrNameLst>
+                                          <p:attrName>style.visibility</p:attrName>
+                                        </p:attrNameLst>
+                                      </p:cBhvr>
+                                      <p:to>
+                                        <p:strVal val="visible"/>
+                                      </p:to>
+                                    </p:set>
+                                  </p:childTnLst>
+                                </p:cTn>
+                              </p:par>
+                              <p:par>
+                                <p:cTn id="11" presetID="1" presetClass="entr" presetSubtype="0" fill="hold" nodeType="withEffect">
+                                  <p:stCondLst>
+                                    <p:cond delay="0"/>
+                                  </p:stCondLst>
+                                  <p:childTnLst>
+                                    <p:set>
+                                      <p:cBhvr>
+                                        <p:cTn id="12" dur="1" fill="hold">
+                                          <p:stCondLst>
+                                            <p:cond delay="0"/>
+                                          </p:stCondLst>
+                                        </p:cTn>
+                                        <p:tgtEl>
+                                          <p:spTgt spid="3">
+                                            <p:txEl>
+                                              <p:pRg st="3" end="3"/>
+                                            </p:txEl>
+                                          </p:spTgt>
+                                        </p:tgtEl>
+                                        <p:attrNameLst>
+                                          <p:attrName>style.visibility</p:attrName>
+                                        </p:attrNameLst>
+                                      </p:cBhvr>
+                                      <p:to>
+                                        <p:strVal val="visible"/>
+                                      </p:to>
+                                    </p:set>
+                                  </p:childTnLst>
+                                </p:cTn>
+                              </p:par>
+                              <p:par>
+                                <p:cTn id="13" presetID="1" presetClass="entr" presetSubtype="0" fill="hold" nodeType="withEffect">
+                                  <p:stCondLst>
+                                    <p:cond delay="0"/>
+                                  </p:stCondLst>
+                                  <p:childTnLst>
+                                    <p:set>
+                                      <p:cBhvr>
+                                        <p:cTn id="14" dur="1" fill="hold">
+                                          <p:stCondLst>
+                                            <p:cond delay="0"/>
+                                          </p:stCondLst>
+                                        </p:cTn>
+                                        <p:tgtEl>
+                                          <p:spTgt spid="3">
+                                            <p:txEl>
+                                              <p:pRg st="4" end="4"/>
+                                            </p:txEl>
+                                          </p:spTgt>
+                                        </p:tgtEl>
+                                        <p:attrNameLst>
+                                          <p:attrName>style.visibility</p:attrName>
+                                        </p:attrNameLst>
+                                      </p:cBhvr>
+                                      <p:to>
+                                        <p:strVal val="visible"/>
+                                      </p:to>
+                                    </p:set>
+                                  </p:childTnLst>
+                                </p:cTn>
+                              </p:par>
+                              <p:par>
+                                <p:cTn id="15" presetID="1" presetClass="entr" presetSubtype="0" fill="hold" nodeType="withEffect">
+                                  <p:stCondLst>
+                                    <p:cond delay="0"/>
+                                  </p:stCondLst>
+                                  <p:childTnLst>
+                                    <p:set>
+                                      <p:cBhvr>
+                                        <p:cTn id="16" dur="1" fill="hold">
+                                          <p:stCondLst>
+                                            <p:cond delay="0"/>
+                                          </p:stCondLst>
+                                        </p:cTn>
+                                        <p:tgtEl>
+                                          <p:spTgt spid="3">
+                                            <p:txEl>
+                                              <p:pRg st="5" end="5"/>
+                                            </p:txEl>
+                                          </p:spTgt>
+                                        </p:tgtEl>
+                                        <p:attrNameLst>
+                                          <p:attrName>style.visibility</p:attrName>
+                                        </p:attrNameLst>
+                                      </p:cBhvr>
+                                      <p:to>
+                                        <p:strVal val="visible"/>
+                                      </p:to>
+                                    </p:set>
+                                  </p:childTnLst>
+                                </p:cTn>
+                              </p:par>
+                              <p:par>
+                                <p:cTn id="17" presetID="1" presetClass="entr" presetSubtype="0" fill="hold" nodeType="withEffect">
+                                  <p:stCondLst>
+                                    <p:cond delay="0"/>
+                                  </p:stCondLst>
+                                  <p:childTnLst>
+                                    <p:set>
+                                      <p:cBhvr>
+                                        <p:cTn id="18" dur="1" fill="hold">
+                                          <p:stCondLst>
+                                            <p:cond delay="0"/>
+                                          </p:stCondLst>
+                                        </p:cTn>
+                                        <p:tgtEl>
+                                          <p:spTgt spid="3">
+                                            <p:txEl>
+                                              <p:pRg st="6" end="6"/>
+                                            </p:txEl>
+                                          </p:spTgt>
+                                        </p:tgtEl>
+                                        <p:attrNameLst>
+                                          <p:attrName>style.visibility</p:attrName>
+                                        </p:attrNameLst>
+                                      </p:cBhvr>
+                                      <p:to>
+                                        <p:strVal val="visible"/>
+                                      </p:to>
+                                    </p:set>
+                                  </p:childTnLst>
+                                </p:cTn>
+                              </p:par>
+                              <p:par>
+                                <p:cTn id="19" presetID="1" presetClass="entr" presetSubtype="0" fill="hold" nodeType="withEffect">
+                                  <p:stCondLst>
+                                    <p:cond delay="0"/>
+                                  </p:stCondLst>
+                                  <p:childTnLst>
+                                    <p:set>
+                                      <p:cBhvr>
+                                        <p:cTn id="20" dur="1" fill="hold">
+                                          <p:stCondLst>
+                                            <p:cond delay="0"/>
+                                          </p:stCondLst>
+                                        </p:cTn>
+                                        <p:tgtEl>
+                                          <p:spTgt spid="3">
+                                            <p:txEl>
+                                              <p:pRg st="7" end="7"/>
+                                            </p:txEl>
+                                          </p:spTgt>
+                                        </p:tgtEl>
+                                        <p:attrNameLst>
+                                          <p:attrName>style.visibility</p:attrName>
+                                        </p:attrNameLst>
+                                      </p:cBhvr>
+                                      <p:to>
+                                        <p:strVal val="visible"/>
+                                      </p:to>
+                                    </p:set>
+                                  </p:childTnLst>
+                                </p:cTn>
+                              </p:par>
+                              <p:par>
+                                <p:cTn id="21" presetID="1" presetClass="entr" presetSubtype="0" fill="hold" nodeType="withEffect">
+                                  <p:stCondLst>
+                                    <p:cond delay="0"/>
+                                  </p:stCondLst>
+                                  <p:childTnLst>
+                                    <p:set>
+                                      <p:cBhvr>
+                                        <p:cTn id="22" dur="1" fill="hold">
+                                          <p:stCondLst>
+                                            <p:cond delay="0"/>
+                                          </p:stCondLst>
+                                        </p:cTn>
+                                        <p:tgtEl>
+                                          <p:spTgt spid="3">
+                                            <p:txEl>
+                                              <p:pRg st="8" end="8"/>
+                                            </p:txEl>
+                                          </p:spTgt>
+                                        </p:tgtEl>
+                                        <p:attrNameLst>
+                                          <p:attrName>style.visibility</p:attrName>
+                                        </p:attrNameLst>
+                                      </p:cBhvr>
+                                      <p:to>
+                                        <p:strVal val="visible"/>
+                                      </p:to>
+                                    </p:set>
+                                  </p:childTnLst>
+                                </p:cTn>
+                              </p:par>
+                              <p:par>
+                                <p:cTn id="23" presetID="1" presetClass="entr" presetSubtype="0" fill="hold" nodeType="withEffect">
+                                  <p:stCondLst>
+                                    <p:cond delay="0"/>
+                                  </p:stCondLst>
+                                  <p:childTnLst>
+                                    <p:set>
+                                      <p:cBhvr>
+                                        <p:cTn id="24" dur="1" fill="hold">
+                                          <p:stCondLst>
+                                            <p:cond delay="0"/>
+                                          </p:stCondLst>
+                                        </p:cTn>
+                                        <p:tgtEl>
+                                          <p:spTgt spid="3">
+                                            <p:txEl>
+                                              <p:pRg st="9" end="9"/>
+                                            </p:txEl>
+                                          </p:spTgt>
+                                        </p:tgtEl>
+                                        <p:attrNameLst>
+                                          <p:attrName>style.visibility</p:attrName>
+                                        </p:attrNameLst>
+                                      </p:cBhvr>
+                                      <p:to>
+                                        <p:strVal val="visible"/>
+                                      </p:to>
+                                    </p:set>
+                                  </p:childTnLst>
+                                </p:cTn>
+                              </p:par>
+                              <p:par>
+                                <p:cTn id="25" presetID="1" presetClass="entr" presetSubtype="0" fill="hold" nodeType="withEffect">
+                                  <p:stCondLst>
+                                    <p:cond delay="0"/>
+                                  </p:stCondLst>
+                                  <p:childTnLst>
+                                    <p:set>
+                                      <p:cBhvr>
+                                        <p:cTn id="26" dur="1" fill="hold">
+                                          <p:stCondLst>
+                                            <p:cond delay="0"/>
+                                          </p:stCondLst>
+                                        </p:cTn>
+                                        <p:tgtEl>
+                                          <p:spTgt spid="3">
+                                            <p:txEl>
+                                              <p:pRg st="10" end="10"/>
+                                            </p:txEl>
+                                          </p:spTgt>
+                                        </p:tgtEl>
+                                        <p:attrNameLst>
+                                          <p:attrName>style.visibility</p:attrName>
+                                        </p:attrNameLst>
+                                      </p:cBhvr>
+                                      <p:to>
+                                        <p:strVal val="visible"/>
+                                      </p:to>
+                                    </p:set>
+                                  </p:childTnLst>
+                                </p:cTn>
+                              </p:par>
+                            </p:childTnLst>
+                          </p:cTn>
+                        </p:par>
+                      </p:childTnLst>
+                    </p:cTn>
+                  </p:par>
+                  <p:par>
+                    <p:cTn id="27" fill="hold">
+                      <p:stCondLst>
+                        <p:cond delay="indefinite"/>
+                      </p:stCondLst>
+                      <p:childTnLst>
+                        <p:par>
+                          <p:cTn id="28" fill="hold">
+                            <p:stCondLst>
+                              <p:cond delay="0"/>
+                            </p:stCondLst>
+                            <p:childTnLst>
+                              <p:par>
+                                <p:cTn id="29" presetID="1" presetClass="entr" presetSubtype="0" fill="hold" nodeType="clickEffect">
+                                  <p:stCondLst>
+                                    <p:cond delay="0"/>
+                                  </p:stCondLst>
+                                  <p:childTnLst>
+                                    <p:set>
+                                      <p:cBhvr>
+                                        <p:cTn id="30" dur="1" fill="hold">
+                                          <p:stCondLst>
+                                            <p:cond delay="0"/>
+                                          </p:stCondLst>
+                                        </p:cTn>
+                                        <p:tgtEl>
+                                          <p:spTgt spid="3">
+                                            <p:txEl>
+                                              <p:pRg st="11" end="11"/>
+                                            </p:txEl>
+                                          </p:spTgt>
+                                        </p:tgtEl>
+                                        <p:attrNameLst>
+                                          <p:attrName>style.visibility</p:attrName>
+                                        </p:attrNameLst>
+                                      </p:cBhvr>
+                                      <p:to>
+                                        <p:strVal val="visible"/>
+                                      </p:to>
+                                    </p:set>
+                                  </p:childTnLst>
+                                </p:cTn>
+                              </p:par>
+                            </p:childTnLst>
+                          </p:cTn>
+                        </p:par>
+                      </p:childTnLst>
+                    </p:cTn>
+                  </p:par>
+                  <p:par>
+                    <p:cTn id="31" fill="hold">
+                      <p:stCondLst>
+                        <p:cond delay="indefinite"/>
+                      </p:stCondLst>
+                      <p:childTnLst>
+                        <p:par>
+                          <p:cTn id="32" fill="hold">
+                            <p:stCondLst>
+                              <p:cond delay="0"/>
+                            </p:stCondLst>
+                            <p:childTnLst>
+                              <p:par>
+                                <p:cTn id="33" presetID="1" presetClass="entr" presetSubtype="0" fill="hold" nodeType="clickEffect">
+                                  <p:stCondLst>
+                                    <p:cond delay="0"/>
+                                  </p:stCondLst>
+                                  <p:childTnLst>
+                                    <p:set>
+                                      <p:cBhvr>
+                                        <p:cTn id="34" dur="1" fill="hold">
+                                          <p:stCondLst>
+                                            <p:cond delay="0"/>
+                                          </p:stCondLst>
+                                        </p:cTn>
+                                        <p:tgtEl>
+                                          <p:spTgt spid="3">
+                                            <p:txEl>
+                                              <p:pRg st="12" end="12"/>
+                                            </p:txEl>
+                                          </p:spTgt>
+                                        </p:tgtEl>
+                                        <p:attrNameLst>
+                                          <p:attrName>style.visibility</p:attrName>
+                                        </p:attrNameLst>
+                                      </p:cBhvr>
+                                      <p:to>
+                                        <p:strVal val="visible"/>
+                                      </p:to>
+                                    </p:set>
+                                  </p:childTnLst>
+                                </p:cTn>
+                              </p:par>
+                            </p:childTnLst>
+                          </p:cTn>
+                        </p:par>
+                      </p:childTnLst>
+                    </p:cTn>
+                  </p:par>
+                  <p:par>
+                    <p:cTn id="35" fill="hold">
+                      <p:stCondLst>
+                        <p:cond delay="indefinite"/>
+                      </p:stCondLst>
+                      <p:childTnLst>
+                        <p:par>
+                          <p:cTn id="36" fill="hold">
+                            <p:stCondLst>
+                              <p:cond delay="0"/>
+                            </p:stCondLst>
+                            <p:childTnLst>
+                              <p:par>
+                                <p:cTn id="37" presetID="10" presetClass="entr" presetSubtype="0" fill="hold" nodeType="clickEffect">
+                                  <p:stCondLst>
+                                    <p:cond delay="0"/>
+                                  </p:stCondLst>
+                                  <p:childTnLst>
+                                    <p:set>
+                                      <p:cBhvr>
+                                        <p:cTn id="38" dur="1" fill="hold">
+                                          <p:stCondLst>
+                                            <p:cond delay="0"/>
+                                          </p:stCondLst>
+                                        </p:cTn>
+                                        <p:tgtEl>
+                                          <p:spTgt spid="3">
+                                            <p:txEl>
+                                              <p:pRg st="13" end="13"/>
+                                            </p:txEl>
+                                          </p:spTgt>
+                                        </p:tgtEl>
+                                        <p:attrNameLst>
+                                          <p:attrName>style.visibility</p:attrName>
+                                        </p:attrNameLst>
+                                      </p:cBhvr>
+                                      <p:to>
+                                        <p:strVal val="visible"/>
+                                      </p:to>
+                                    </p:set>
+                                    <p:animEffect transition="in" filter="fade">
+                                      <p:cBhvr>
+                                        <p:cTn id="39" dur="500"/>
+                                        <p:tgtEl>
+                                          <p:spTgt spid="3">
+                                            <p:txEl>
+                                              <p:pRg st="13" end="13"/>
+                                            </p:txEl>
+                                          </p:spTgt>
+                                        </p:tgtEl>
+                                      </p:cBhvr>
+                                    </p:animEffect>
+                                  </p:childTnLst>
+                                </p:cTn>
+                              </p:par>
+                            </p:childTnLst>
+                          </p:cTn>
+                        </p:par>
+                      </p:childTnLst>
+                    </p:cTn>
+                  </p:par>
+                </p:childTnLst>
+              </p:cTn>
+              <p:prevCondLst>
+                <p:cond evt="onPrev" delay="0">
+                  <p:tgtEl>
+                    <p:sldTgt/>
+                  </p:tgtEl>
+                </p:cond>
+              </p:prevCondLst>
+              <p:nextCondLst>
+                <p:cond evt="onNext" delay="0">
+                  <p:tgtEl>
+                    <p:sldTgt/>
+                  </p:tgtEl>
+                </p:cond>
+              </p:nextCondLst>
+            </p:seq>
+          </p:childTnLst>
+        </p:cTn>
       </p:par>
     </p:tnLst>
   </p:timing>
@@ -8257,11 +9590,7 @@
                       </a:r>
                       <a:r>
                         <a:rPr lang="de-DE" baseline="0" dirty="0" smtClean="0"/>
-                        <a:t> – Aufpassen </a:t>
-                      </a:r>
-                      <a:r>
-                        <a:rPr lang="de-DE" baseline="0" dirty="0" smtClean="0"/>
-                        <a:t>in der Zukunft</a:t>
+                        <a:t> – Aufpassen in der Zukunft</a:t>
                       </a:r>
                       <a:endParaRPr lang="en-US" dirty="0"/>
                     </a:p>
@@ -9303,4 +10632,289 @@
   <a:objectDefaults/>
   <a:extraClrSchemeLst/>
 </a:theme>
+</file>
+
+<file path=ppt/theme/theme3.xml><?xml version="1.0" encoding="utf-8"?>
+<a:theme xmlns:a="http://schemas.openxmlformats.org/drawingml/2006/main" name="Office Theme">
+  <a:themeElements>
+    <a:clrScheme name="Office">
+      <a:dk1>
+        <a:sysClr val="windowText" lastClr="000000"/>
+      </a:dk1>
+      <a:lt1>
+        <a:sysClr val="window" lastClr="FFFFFF"/>
+      </a:lt1>
+      <a:dk2>
+        <a:srgbClr val="1F497D"/>
+      </a:dk2>
+      <a:lt2>
+        <a:srgbClr val="EEECE1"/>
+      </a:lt2>
+      <a:accent1>
+        <a:srgbClr val="4F81BD"/>
+      </a:accent1>
+      <a:accent2>
+        <a:srgbClr val="C0504D"/>
+      </a:accent2>
+      <a:accent3>
+        <a:srgbClr val="9BBB59"/>
+      </a:accent3>
+      <a:accent4>
+        <a:srgbClr val="8064A2"/>
+      </a:accent4>
+      <a:accent5>
+        <a:srgbClr val="4BACC6"/>
+      </a:accent5>
+      <a:accent6>
+        <a:srgbClr val="F79646"/>
+      </a:accent6>
+      <a:hlink>
+        <a:srgbClr val="0000FF"/>
+      </a:hlink>
+      <a:folHlink>
+        <a:srgbClr val="800080"/>
+      </a:folHlink>
+    </a:clrScheme>
+    <a:fontScheme name="Office">
+      <a:majorFont>
+        <a:latin typeface="Calibri"/>
+        <a:ea typeface=""/>
+        <a:cs typeface=""/>
+        <a:font script="Jpan" typeface="ＭＳ Ｐゴシック"/>
+        <a:font script="Hang" typeface="맑은 고딕"/>
+        <a:font script="Hans" typeface="宋体"/>
+        <a:font script="Hant" typeface="新細明體"/>
+        <a:font script="Arab" typeface="Times New Roman"/>
+        <a:font script="Hebr" typeface="Times New Roman"/>
+        <a:font script="Thai" typeface="Angsana New"/>
+        <a:font script="Ethi" typeface="Nyala"/>
+        <a:font script="Beng" typeface="Vrinda"/>
+        <a:font script="Gujr" typeface="Shruti"/>
+        <a:font script="Khmr" typeface="MoolBoran"/>
+        <a:font script="Knda" typeface="Tunga"/>
+        <a:font script="Guru" typeface="Raavi"/>
+        <a:font script="Cans" typeface="Euphemia"/>
+        <a:font script="Cher" typeface="Plantagenet Cherokee"/>
+        <a:font script="Yiii" typeface="Microsoft Yi Baiti"/>
+        <a:font script="Tibt" typeface="Microsoft Himalaya"/>
+        <a:font script="Thaa" typeface="MV Boli"/>
+        <a:font script="Deva" typeface="Mangal"/>
+        <a:font script="Telu" typeface="Gautami"/>
+        <a:font script="Taml" typeface="Latha"/>
+        <a:font script="Syrc" typeface="Estrangelo Edessa"/>
+        <a:font script="Orya" typeface="Kalinga"/>
+        <a:font script="Mlym" typeface="Kartika"/>
+        <a:font script="Laoo" typeface="DokChampa"/>
+        <a:font script="Sinh" typeface="Iskoola Pota"/>
+        <a:font script="Mong" typeface="Mongolian Baiti"/>
+        <a:font script="Viet" typeface="Times New Roman"/>
+        <a:font script="Uigh" typeface="Microsoft Uighur"/>
+        <a:font script="Geor" typeface="Sylfaen"/>
+      </a:majorFont>
+      <a:minorFont>
+        <a:latin typeface="Calibri"/>
+        <a:ea typeface=""/>
+        <a:cs typeface=""/>
+        <a:font script="Jpan" typeface="ＭＳ Ｐゴシック"/>
+        <a:font script="Hang" typeface="맑은 고딕"/>
+        <a:font script="Hans" typeface="宋体"/>
+        <a:font script="Hant" typeface="新細明體"/>
+        <a:font script="Arab" typeface="Arial"/>
+        <a:font script="Hebr" typeface="Arial"/>
+        <a:font script="Thai" typeface="Cordia New"/>
+        <a:font script="Ethi" typeface="Nyala"/>
+        <a:font script="Beng" typeface="Vrinda"/>
+        <a:font script="Gujr" typeface="Shruti"/>
+        <a:font script="Khmr" typeface="DaunPenh"/>
+        <a:font script="Knda" typeface="Tunga"/>
+        <a:font script="Guru" typeface="Raavi"/>
+        <a:font script="Cans" typeface="Euphemia"/>
+        <a:font script="Cher" typeface="Plantagenet Cherokee"/>
+        <a:font script="Yiii" typeface="Microsoft Yi Baiti"/>
+        <a:font script="Tibt" typeface="Microsoft Himalaya"/>
+        <a:font script="Thaa" typeface="MV Boli"/>
+        <a:font script="Deva" typeface="Mangal"/>
+        <a:font script="Telu" typeface="Gautami"/>
+        <a:font script="Taml" typeface="Latha"/>
+        <a:font script="Syrc" typeface="Estrangelo Edessa"/>
+        <a:font script="Orya" typeface="Kalinga"/>
+        <a:font script="Mlym" typeface="Kartika"/>
+        <a:font script="Laoo" typeface="DokChampa"/>
+        <a:font script="Sinh" typeface="Iskoola Pota"/>
+        <a:font script="Mong" typeface="Mongolian Baiti"/>
+        <a:font script="Viet" typeface="Arial"/>
+        <a:font script="Uigh" typeface="Microsoft Uighur"/>
+        <a:font script="Geor" typeface="Sylfaen"/>
+      </a:minorFont>
+    </a:fontScheme>
+    <a:fmtScheme name="Office">
+      <a:fillStyleLst>
+        <a:solidFill>
+          <a:schemeClr val="phClr"/>
+        </a:solidFill>
+        <a:gradFill rotWithShape="1">
+          <a:gsLst>
+            <a:gs pos="0">
+              <a:schemeClr val="phClr">
+                <a:tint val="50000"/>
+                <a:satMod val="300000"/>
+              </a:schemeClr>
+            </a:gs>
+            <a:gs pos="35000">
+              <a:schemeClr val="phClr">
+                <a:tint val="37000"/>
+                <a:satMod val="300000"/>
+              </a:schemeClr>
+            </a:gs>
+            <a:gs pos="100000">
+              <a:schemeClr val="phClr">
+                <a:tint val="15000"/>
+                <a:satMod val="350000"/>
+              </a:schemeClr>
+            </a:gs>
+          </a:gsLst>
+          <a:lin ang="16200000" scaled="1"/>
+        </a:gradFill>
+        <a:gradFill rotWithShape="1">
+          <a:gsLst>
+            <a:gs pos="0">
+              <a:schemeClr val="phClr">
+                <a:shade val="51000"/>
+                <a:satMod val="130000"/>
+              </a:schemeClr>
+            </a:gs>
+            <a:gs pos="80000">
+              <a:schemeClr val="phClr">
+                <a:shade val="93000"/>
+                <a:satMod val="130000"/>
+              </a:schemeClr>
+            </a:gs>
+            <a:gs pos="100000">
+              <a:schemeClr val="phClr">
+                <a:shade val="94000"/>
+                <a:satMod val="135000"/>
+              </a:schemeClr>
+            </a:gs>
+          </a:gsLst>
+          <a:lin ang="16200000" scaled="0"/>
+        </a:gradFill>
+      </a:fillStyleLst>
+      <a:lnStyleLst>
+        <a:ln w="9525" cap="flat" cmpd="sng" algn="ctr">
+          <a:solidFill>
+            <a:schemeClr val="phClr">
+              <a:shade val="95000"/>
+              <a:satMod val="105000"/>
+            </a:schemeClr>
+          </a:solidFill>
+          <a:prstDash val="solid"/>
+        </a:ln>
+        <a:ln w="25400" cap="flat" cmpd="sng" algn="ctr">
+          <a:solidFill>
+            <a:schemeClr val="phClr"/>
+          </a:solidFill>
+          <a:prstDash val="solid"/>
+        </a:ln>
+        <a:ln w="38100" cap="flat" cmpd="sng" algn="ctr">
+          <a:solidFill>
+            <a:schemeClr val="phClr"/>
+          </a:solidFill>
+          <a:prstDash val="solid"/>
+        </a:ln>
+      </a:lnStyleLst>
+      <a:effectStyleLst>
+        <a:effectStyle>
+          <a:effectLst>
+            <a:outerShdw blurRad="40000" dist="20000" dir="5400000" rotWithShape="0">
+              <a:srgbClr val="000000">
+                <a:alpha val="38000"/>
+              </a:srgbClr>
+            </a:outerShdw>
+          </a:effectLst>
+        </a:effectStyle>
+        <a:effectStyle>
+          <a:effectLst>
+            <a:outerShdw blurRad="40000" dist="23000" dir="5400000" rotWithShape="0">
+              <a:srgbClr val="000000">
+                <a:alpha val="35000"/>
+              </a:srgbClr>
+            </a:outerShdw>
+          </a:effectLst>
+        </a:effectStyle>
+        <a:effectStyle>
+          <a:effectLst>
+            <a:outerShdw blurRad="40000" dist="23000" dir="5400000" rotWithShape="0">
+              <a:srgbClr val="000000">
+                <a:alpha val="35000"/>
+              </a:srgbClr>
+            </a:outerShdw>
+          </a:effectLst>
+          <a:scene3d>
+            <a:camera prst="orthographicFront">
+              <a:rot lat="0" lon="0" rev="0"/>
+            </a:camera>
+            <a:lightRig rig="threePt" dir="t">
+              <a:rot lat="0" lon="0" rev="1200000"/>
+            </a:lightRig>
+          </a:scene3d>
+          <a:sp3d>
+            <a:bevelT w="63500" h="25400"/>
+          </a:sp3d>
+        </a:effectStyle>
+      </a:effectStyleLst>
+      <a:bgFillStyleLst>
+        <a:solidFill>
+          <a:schemeClr val="phClr"/>
+        </a:solidFill>
+        <a:gradFill rotWithShape="1">
+          <a:gsLst>
+            <a:gs pos="0">
+              <a:schemeClr val="phClr">
+                <a:tint val="40000"/>
+                <a:satMod val="350000"/>
+              </a:schemeClr>
+            </a:gs>
+            <a:gs pos="40000">
+              <a:schemeClr val="phClr">
+                <a:tint val="45000"/>
+                <a:shade val="99000"/>
+                <a:satMod val="350000"/>
+              </a:schemeClr>
+            </a:gs>
+            <a:gs pos="100000">
+              <a:schemeClr val="phClr">
+                <a:shade val="20000"/>
+                <a:satMod val="255000"/>
+              </a:schemeClr>
+            </a:gs>
+          </a:gsLst>
+          <a:path path="circle">
+            <a:fillToRect l="50000" t="-80000" r="50000" b="180000"/>
+          </a:path>
+        </a:gradFill>
+        <a:gradFill rotWithShape="1">
+          <a:gsLst>
+            <a:gs pos="0">
+              <a:schemeClr val="phClr">
+                <a:tint val="80000"/>
+                <a:satMod val="300000"/>
+              </a:schemeClr>
+            </a:gs>
+            <a:gs pos="100000">
+              <a:schemeClr val="phClr">
+                <a:shade val="30000"/>
+                <a:satMod val="200000"/>
+              </a:schemeClr>
+            </a:gs>
+          </a:gsLst>
+          <a:path path="circle">
+            <a:fillToRect l="50000" t="50000" r="50000" b="50000"/>
+          </a:path>
+        </a:gradFill>
+      </a:bgFillStyleLst>
+    </a:fmtScheme>
+  </a:themeElements>
+  <a:objectDefaults/>
+  <a:extraClrSchemeLst/>
+</a:theme>
 </file>